--- a/2-Java-Programmer-Modulo-II/18.Capitulo10.pptx
+++ b/2-Java-Programmer-Modulo-II/18.Capitulo10.pptx
@@ -5,7 +5,7 @@
     <p:sldMasterId id="2147483660" r:id="rId1"/>
   </p:sldMasterIdLst>
   <p:notesMasterIdLst>
-    <p:notesMasterId r:id="rId32"/>
+    <p:notesMasterId r:id="rId37"/>
   </p:notesMasterIdLst>
   <p:sldIdLst>
     <p:sldId id="256" r:id="rId2"/>
@@ -38,6 +38,11 @@
     <p:sldId id="430" r:id="rId29"/>
     <p:sldId id="316" r:id="rId30"/>
     <p:sldId id="431" r:id="rId31"/>
+    <p:sldId id="432" r:id="rId32"/>
+    <p:sldId id="433" r:id="rId33"/>
+    <p:sldId id="434" r:id="rId34"/>
+    <p:sldId id="435" r:id="rId35"/>
+    <p:sldId id="436" r:id="rId36"/>
   </p:sldIdLst>
   <p:sldSz cx="9144000" cy="6858000" type="screen4x3"/>
   <p:notesSz cx="6858000" cy="9144000"/>
@@ -2786,6 +2791,441 @@
                 <a:defRPr/>
               </a:pPr>
               <a:t>30</a:t>
+            </a:fld>
+            <a:endParaRPr lang="pt-BR"/>
+          </a:p>
+        </p:txBody>
+      </p:sp>
+    </p:spTree>
+  </p:cSld>
+  <p:clrMapOvr>
+    <a:masterClrMapping/>
+  </p:clrMapOvr>
+</p:notes>
+</file>
+
+<file path=ppt/notesSlides/notesSlide31.xml><?xml version="1.0" encoding="utf-8"?>
+<p:notes xmlns:a="http://schemas.openxmlformats.org/drawingml/2006/main" xmlns:r="http://schemas.openxmlformats.org/officeDocument/2006/relationships" xmlns:p="http://schemas.openxmlformats.org/presentationml/2006/main">
+  <p:cSld>
+    <p:spTree>
+      <p:nvGrpSpPr>
+        <p:cNvPr id="1" name=""/>
+        <p:cNvGrpSpPr/>
+        <p:nvPr/>
+      </p:nvGrpSpPr>
+      <p:grpSpPr>
+        <a:xfrm>
+          <a:off x="0" y="0"/>
+          <a:ext cx="0" cy="0"/>
+          <a:chOff x="0" y="0"/>
+          <a:chExt cx="0" cy="0"/>
+        </a:xfrm>
+      </p:grpSpPr>
+      <p:sp>
+        <p:nvSpPr>
+          <p:cNvPr id="2" name="Espaço Reservado para Imagem de Slide 1"/>
+          <p:cNvSpPr>
+            <a:spLocks noGrp="1" noRot="1" noChangeAspect="1"/>
+          </p:cNvSpPr>
+          <p:nvPr>
+            <p:ph type="sldImg"/>
+          </p:nvPr>
+        </p:nvSpPr>
+        <p:spPr/>
+      </p:sp>
+      <p:sp>
+        <p:nvSpPr>
+          <p:cNvPr id="3" name="Espaço Reservado para Anotações 2"/>
+          <p:cNvSpPr>
+            <a:spLocks noGrp="1"/>
+          </p:cNvSpPr>
+          <p:nvPr>
+            <p:ph type="body" idx="1"/>
+          </p:nvPr>
+        </p:nvSpPr>
+        <p:spPr/>
+        <p:txBody>
+          <a:bodyPr>
+            <a:normAutofit/>
+          </a:bodyPr>
+          <a:lstStyle/>
+          <a:p>
+            <a:endParaRPr lang="pt-BR"/>
+          </a:p>
+        </p:txBody>
+      </p:sp>
+      <p:sp>
+        <p:nvSpPr>
+          <p:cNvPr id="4" name="Espaço Reservado para Número de Slide 3"/>
+          <p:cNvSpPr>
+            <a:spLocks noGrp="1"/>
+          </p:cNvSpPr>
+          <p:nvPr>
+            <p:ph type="sldNum" sz="quarter" idx="10"/>
+          </p:nvPr>
+        </p:nvSpPr>
+        <p:spPr/>
+        <p:txBody>
+          <a:bodyPr/>
+          <a:lstStyle/>
+          <a:p>
+            <a:pPr>
+              <a:defRPr/>
+            </a:pPr>
+            <a:fld id="{373010A1-97EB-4147-B509-23B1A33D8481}" type="slidenum">
+              <a:rPr lang="pt-BR" smtClean="0"/>
+              <a:pPr>
+                <a:defRPr/>
+              </a:pPr>
+              <a:t>31</a:t>
+            </a:fld>
+            <a:endParaRPr lang="pt-BR"/>
+          </a:p>
+        </p:txBody>
+      </p:sp>
+    </p:spTree>
+  </p:cSld>
+  <p:clrMapOvr>
+    <a:masterClrMapping/>
+  </p:clrMapOvr>
+</p:notes>
+</file>
+
+<file path=ppt/notesSlides/notesSlide32.xml><?xml version="1.0" encoding="utf-8"?>
+<p:notes xmlns:a="http://schemas.openxmlformats.org/drawingml/2006/main" xmlns:r="http://schemas.openxmlformats.org/officeDocument/2006/relationships" xmlns:p="http://schemas.openxmlformats.org/presentationml/2006/main">
+  <p:cSld>
+    <p:spTree>
+      <p:nvGrpSpPr>
+        <p:cNvPr id="1" name=""/>
+        <p:cNvGrpSpPr/>
+        <p:nvPr/>
+      </p:nvGrpSpPr>
+      <p:grpSpPr>
+        <a:xfrm>
+          <a:off x="0" y="0"/>
+          <a:ext cx="0" cy="0"/>
+          <a:chOff x="0" y="0"/>
+          <a:chExt cx="0" cy="0"/>
+        </a:xfrm>
+      </p:grpSpPr>
+      <p:sp>
+        <p:nvSpPr>
+          <p:cNvPr id="2" name="Espaço Reservado para Imagem de Slide 1"/>
+          <p:cNvSpPr>
+            <a:spLocks noGrp="1" noRot="1" noChangeAspect="1"/>
+          </p:cNvSpPr>
+          <p:nvPr>
+            <p:ph type="sldImg"/>
+          </p:nvPr>
+        </p:nvSpPr>
+        <p:spPr/>
+      </p:sp>
+      <p:sp>
+        <p:nvSpPr>
+          <p:cNvPr id="3" name="Espaço Reservado para Anotações 2"/>
+          <p:cNvSpPr>
+            <a:spLocks noGrp="1"/>
+          </p:cNvSpPr>
+          <p:nvPr>
+            <p:ph type="body" idx="1"/>
+          </p:nvPr>
+        </p:nvSpPr>
+        <p:spPr/>
+        <p:txBody>
+          <a:bodyPr>
+            <a:normAutofit/>
+          </a:bodyPr>
+          <a:lstStyle/>
+          <a:p>
+            <a:endParaRPr lang="pt-BR"/>
+          </a:p>
+        </p:txBody>
+      </p:sp>
+      <p:sp>
+        <p:nvSpPr>
+          <p:cNvPr id="4" name="Espaço Reservado para Número de Slide 3"/>
+          <p:cNvSpPr>
+            <a:spLocks noGrp="1"/>
+          </p:cNvSpPr>
+          <p:nvPr>
+            <p:ph type="sldNum" sz="quarter" idx="10"/>
+          </p:nvPr>
+        </p:nvSpPr>
+        <p:spPr/>
+        <p:txBody>
+          <a:bodyPr/>
+          <a:lstStyle/>
+          <a:p>
+            <a:pPr>
+              <a:defRPr/>
+            </a:pPr>
+            <a:fld id="{373010A1-97EB-4147-B509-23B1A33D8481}" type="slidenum">
+              <a:rPr lang="pt-BR" smtClean="0"/>
+              <a:pPr>
+                <a:defRPr/>
+              </a:pPr>
+              <a:t>32</a:t>
+            </a:fld>
+            <a:endParaRPr lang="pt-BR"/>
+          </a:p>
+        </p:txBody>
+      </p:sp>
+    </p:spTree>
+  </p:cSld>
+  <p:clrMapOvr>
+    <a:masterClrMapping/>
+  </p:clrMapOvr>
+</p:notes>
+</file>
+
+<file path=ppt/notesSlides/notesSlide33.xml><?xml version="1.0" encoding="utf-8"?>
+<p:notes xmlns:a="http://schemas.openxmlformats.org/drawingml/2006/main" xmlns:r="http://schemas.openxmlformats.org/officeDocument/2006/relationships" xmlns:p="http://schemas.openxmlformats.org/presentationml/2006/main">
+  <p:cSld>
+    <p:spTree>
+      <p:nvGrpSpPr>
+        <p:cNvPr id="1" name=""/>
+        <p:cNvGrpSpPr/>
+        <p:nvPr/>
+      </p:nvGrpSpPr>
+      <p:grpSpPr>
+        <a:xfrm>
+          <a:off x="0" y="0"/>
+          <a:ext cx="0" cy="0"/>
+          <a:chOff x="0" y="0"/>
+          <a:chExt cx="0" cy="0"/>
+        </a:xfrm>
+      </p:grpSpPr>
+      <p:sp>
+        <p:nvSpPr>
+          <p:cNvPr id="2" name="Espaço Reservado para Imagem de Slide 1"/>
+          <p:cNvSpPr>
+            <a:spLocks noGrp="1" noRot="1" noChangeAspect="1"/>
+          </p:cNvSpPr>
+          <p:nvPr>
+            <p:ph type="sldImg"/>
+          </p:nvPr>
+        </p:nvSpPr>
+        <p:spPr/>
+      </p:sp>
+      <p:sp>
+        <p:nvSpPr>
+          <p:cNvPr id="3" name="Espaço Reservado para Anotações 2"/>
+          <p:cNvSpPr>
+            <a:spLocks noGrp="1"/>
+          </p:cNvSpPr>
+          <p:nvPr>
+            <p:ph type="body" idx="1"/>
+          </p:nvPr>
+        </p:nvSpPr>
+        <p:spPr/>
+        <p:txBody>
+          <a:bodyPr>
+            <a:normAutofit/>
+          </a:bodyPr>
+          <a:lstStyle/>
+          <a:p>
+            <a:endParaRPr lang="pt-BR"/>
+          </a:p>
+        </p:txBody>
+      </p:sp>
+      <p:sp>
+        <p:nvSpPr>
+          <p:cNvPr id="4" name="Espaço Reservado para Número de Slide 3"/>
+          <p:cNvSpPr>
+            <a:spLocks noGrp="1"/>
+          </p:cNvSpPr>
+          <p:nvPr>
+            <p:ph type="sldNum" sz="quarter" idx="10"/>
+          </p:nvPr>
+        </p:nvSpPr>
+        <p:spPr/>
+        <p:txBody>
+          <a:bodyPr/>
+          <a:lstStyle/>
+          <a:p>
+            <a:pPr>
+              <a:defRPr/>
+            </a:pPr>
+            <a:fld id="{373010A1-97EB-4147-B509-23B1A33D8481}" type="slidenum">
+              <a:rPr lang="pt-BR" smtClean="0"/>
+              <a:pPr>
+                <a:defRPr/>
+              </a:pPr>
+              <a:t>33</a:t>
+            </a:fld>
+            <a:endParaRPr lang="pt-BR"/>
+          </a:p>
+        </p:txBody>
+      </p:sp>
+    </p:spTree>
+  </p:cSld>
+  <p:clrMapOvr>
+    <a:masterClrMapping/>
+  </p:clrMapOvr>
+</p:notes>
+</file>
+
+<file path=ppt/notesSlides/notesSlide34.xml><?xml version="1.0" encoding="utf-8"?>
+<p:notes xmlns:a="http://schemas.openxmlformats.org/drawingml/2006/main" xmlns:r="http://schemas.openxmlformats.org/officeDocument/2006/relationships" xmlns:p="http://schemas.openxmlformats.org/presentationml/2006/main">
+  <p:cSld>
+    <p:spTree>
+      <p:nvGrpSpPr>
+        <p:cNvPr id="1" name=""/>
+        <p:cNvGrpSpPr/>
+        <p:nvPr/>
+      </p:nvGrpSpPr>
+      <p:grpSpPr>
+        <a:xfrm>
+          <a:off x="0" y="0"/>
+          <a:ext cx="0" cy="0"/>
+          <a:chOff x="0" y="0"/>
+          <a:chExt cx="0" cy="0"/>
+        </a:xfrm>
+      </p:grpSpPr>
+      <p:sp>
+        <p:nvSpPr>
+          <p:cNvPr id="2" name="Espaço Reservado para Imagem de Slide 1"/>
+          <p:cNvSpPr>
+            <a:spLocks noGrp="1" noRot="1" noChangeAspect="1"/>
+          </p:cNvSpPr>
+          <p:nvPr>
+            <p:ph type="sldImg"/>
+          </p:nvPr>
+        </p:nvSpPr>
+        <p:spPr/>
+      </p:sp>
+      <p:sp>
+        <p:nvSpPr>
+          <p:cNvPr id="3" name="Espaço Reservado para Anotações 2"/>
+          <p:cNvSpPr>
+            <a:spLocks noGrp="1"/>
+          </p:cNvSpPr>
+          <p:nvPr>
+            <p:ph type="body" idx="1"/>
+          </p:nvPr>
+        </p:nvSpPr>
+        <p:spPr/>
+        <p:txBody>
+          <a:bodyPr>
+            <a:normAutofit/>
+          </a:bodyPr>
+          <a:lstStyle/>
+          <a:p>
+            <a:endParaRPr lang="pt-BR"/>
+          </a:p>
+        </p:txBody>
+      </p:sp>
+      <p:sp>
+        <p:nvSpPr>
+          <p:cNvPr id="4" name="Espaço Reservado para Número de Slide 3"/>
+          <p:cNvSpPr>
+            <a:spLocks noGrp="1"/>
+          </p:cNvSpPr>
+          <p:nvPr>
+            <p:ph type="sldNum" sz="quarter" idx="10"/>
+          </p:nvPr>
+        </p:nvSpPr>
+        <p:spPr/>
+        <p:txBody>
+          <a:bodyPr/>
+          <a:lstStyle/>
+          <a:p>
+            <a:pPr>
+              <a:defRPr/>
+            </a:pPr>
+            <a:fld id="{373010A1-97EB-4147-B509-23B1A33D8481}" type="slidenum">
+              <a:rPr lang="pt-BR" smtClean="0"/>
+              <a:pPr>
+                <a:defRPr/>
+              </a:pPr>
+              <a:t>34</a:t>
+            </a:fld>
+            <a:endParaRPr lang="pt-BR"/>
+          </a:p>
+        </p:txBody>
+      </p:sp>
+    </p:spTree>
+  </p:cSld>
+  <p:clrMapOvr>
+    <a:masterClrMapping/>
+  </p:clrMapOvr>
+</p:notes>
+</file>
+
+<file path=ppt/notesSlides/notesSlide35.xml><?xml version="1.0" encoding="utf-8"?>
+<p:notes xmlns:a="http://schemas.openxmlformats.org/drawingml/2006/main" xmlns:r="http://schemas.openxmlformats.org/officeDocument/2006/relationships" xmlns:p="http://schemas.openxmlformats.org/presentationml/2006/main">
+  <p:cSld>
+    <p:spTree>
+      <p:nvGrpSpPr>
+        <p:cNvPr id="1" name=""/>
+        <p:cNvGrpSpPr/>
+        <p:nvPr/>
+      </p:nvGrpSpPr>
+      <p:grpSpPr>
+        <a:xfrm>
+          <a:off x="0" y="0"/>
+          <a:ext cx="0" cy="0"/>
+          <a:chOff x="0" y="0"/>
+          <a:chExt cx="0" cy="0"/>
+        </a:xfrm>
+      </p:grpSpPr>
+      <p:sp>
+        <p:nvSpPr>
+          <p:cNvPr id="2" name="Espaço Reservado para Imagem de Slide 1"/>
+          <p:cNvSpPr>
+            <a:spLocks noGrp="1" noRot="1" noChangeAspect="1"/>
+          </p:cNvSpPr>
+          <p:nvPr>
+            <p:ph type="sldImg"/>
+          </p:nvPr>
+        </p:nvSpPr>
+        <p:spPr/>
+      </p:sp>
+      <p:sp>
+        <p:nvSpPr>
+          <p:cNvPr id="3" name="Espaço Reservado para Anotações 2"/>
+          <p:cNvSpPr>
+            <a:spLocks noGrp="1"/>
+          </p:cNvSpPr>
+          <p:nvPr>
+            <p:ph type="body" idx="1"/>
+          </p:nvPr>
+        </p:nvSpPr>
+        <p:spPr/>
+        <p:txBody>
+          <a:bodyPr>
+            <a:normAutofit/>
+          </a:bodyPr>
+          <a:lstStyle/>
+          <a:p>
+            <a:endParaRPr lang="pt-BR"/>
+          </a:p>
+        </p:txBody>
+      </p:sp>
+      <p:sp>
+        <p:nvSpPr>
+          <p:cNvPr id="4" name="Espaço Reservado para Número de Slide 3"/>
+          <p:cNvSpPr>
+            <a:spLocks noGrp="1"/>
+          </p:cNvSpPr>
+          <p:nvPr>
+            <p:ph type="sldNum" sz="quarter" idx="10"/>
+          </p:nvPr>
+        </p:nvSpPr>
+        <p:spPr/>
+        <p:txBody>
+          <a:bodyPr/>
+          <a:lstStyle/>
+          <a:p>
+            <a:pPr>
+              <a:defRPr/>
+            </a:pPr>
+            <a:fld id="{373010A1-97EB-4147-B509-23B1A33D8481}" type="slidenum">
+              <a:rPr lang="pt-BR" smtClean="0"/>
+              <a:pPr>
+                <a:defRPr/>
+              </a:pPr>
+              <a:t>35</a:t>
             </a:fld>
             <a:endParaRPr lang="pt-BR"/>
           </a:p>
@@ -14484,11 +14924,7 @@
           <a:p>
             <a:r>
               <a:rPr lang="pt-BR" sz="2800" dirty="0" smtClean="0"/>
-              <a:t>Arquivos </a:t>
-            </a:r>
-            <a:r>
-              <a:rPr lang="pt-BR" sz="2800" dirty="0" smtClean="0"/>
-              <a:t>texto</a:t>
+              <a:t>Arquivos texto</a:t>
             </a:r>
           </a:p>
           <a:p>
@@ -19373,38 +19809,135 @@
             <p:ph type="title"/>
           </p:nvPr>
         </p:nvSpPr>
-        <p:spPr/>
+        <p:spPr>
+          <a:xfrm>
+            <a:off x="251520" y="274638"/>
+            <a:ext cx="8496944" cy="1143000"/>
+          </a:xfrm>
+        </p:spPr>
         <p:txBody>
           <a:bodyPr/>
           <a:lstStyle/>
           <a:p>
             <a:r>
-              <a:rPr lang="pt-BR" dirty="0" smtClean="0"/>
-              <a:t>Exercício – Editor de Texto</a:t>
-            </a:r>
-            <a:endParaRPr lang="pt-BR" dirty="0"/>
+              <a:rPr lang="pt-BR" sz="4400" dirty="0" smtClean="0"/>
+              <a:t>Exercício – Editor de </a:t>
+            </a:r>
+            <a:r>
+              <a:rPr lang="pt-BR" sz="4400" dirty="0" smtClean="0"/>
+              <a:t>Texto em Java</a:t>
+            </a:r>
+            <a:endParaRPr lang="pt-BR" sz="4400" dirty="0"/>
           </a:p>
         </p:txBody>
       </p:sp>
       <p:sp>
         <p:nvSpPr>
-          <p:cNvPr id="3" name="Espaço Reservado para Conteúdo 2"/>
+          <p:cNvPr id="5" name="Espaço Reservado para Conteúdo 4"/>
           <p:cNvSpPr>
             <a:spLocks noGrp="1"/>
           </p:cNvSpPr>
           <p:nvPr>
-            <p:ph idx="1"/>
+            <p:ph sz="half" idx="1"/>
           </p:nvPr>
         </p:nvSpPr>
-        <p:spPr/>
+        <p:spPr>
+          <a:xfrm>
+            <a:off x="457200" y="1600201"/>
+            <a:ext cx="7787208" cy="1756792"/>
+          </a:xfrm>
+        </p:spPr>
         <p:txBody>
           <a:bodyPr/>
           <a:lstStyle/>
           <a:p>
+            <a:r>
+              <a:rPr lang="pt-BR" dirty="0" smtClean="0"/>
+              <a:t>A partir da classe </a:t>
+            </a:r>
+            <a:r>
+              <a:rPr lang="pt-BR" dirty="0" err="1" smtClean="0"/>
+              <a:t>TabajaraEditorFrame</a:t>
+            </a:r>
+            <a:r>
+              <a:rPr lang="pt-BR" dirty="0" smtClean="0"/>
+              <a:t> construída pelo Eclipse VE, implemente os comandos do itens “</a:t>
+            </a:r>
+            <a:r>
+              <a:rPr lang="pt-BR" dirty="0" smtClean="0">
+                <a:solidFill>
+                  <a:srgbClr val="FFC000"/>
+                </a:solidFill>
+              </a:rPr>
+              <a:t>Novo</a:t>
+            </a:r>
+            <a:r>
+              <a:rPr lang="pt-BR" dirty="0" smtClean="0"/>
+              <a:t>”, “</a:t>
+            </a:r>
+            <a:r>
+              <a:rPr lang="pt-BR" dirty="0" smtClean="0">
+                <a:solidFill>
+                  <a:srgbClr val="FFC000"/>
+                </a:solidFill>
+              </a:rPr>
+              <a:t>Abrir</a:t>
+            </a:r>
+            <a:r>
+              <a:rPr lang="pt-BR" dirty="0" smtClean="0"/>
+              <a:t>”, “</a:t>
+            </a:r>
+            <a:r>
+              <a:rPr lang="pt-BR" dirty="0" smtClean="0">
+                <a:solidFill>
+                  <a:srgbClr val="FFC000"/>
+                </a:solidFill>
+              </a:rPr>
+              <a:t>Salvar</a:t>
+            </a:r>
+            <a:r>
+              <a:rPr lang="pt-BR" dirty="0" smtClean="0"/>
+              <a:t>” e “</a:t>
+            </a:r>
+            <a:r>
+              <a:rPr lang="pt-BR" dirty="0" smtClean="0">
+                <a:solidFill>
+                  <a:srgbClr val="FFC000"/>
+                </a:solidFill>
+              </a:rPr>
+              <a:t>Sair</a:t>
+            </a:r>
+            <a:r>
+              <a:rPr lang="pt-BR" dirty="0" smtClean="0"/>
+              <a:t>” conforme especificado no próximo slide</a:t>
+            </a:r>
             <a:endParaRPr lang="pt-BR" dirty="0"/>
           </a:p>
         </p:txBody>
       </p:sp>
+      <p:pic>
+        <p:nvPicPr>
+          <p:cNvPr id="7" name="Espaço Reservado para Conteúdo 6" descr="TabajaraEditorFrame.png"/>
+          <p:cNvPicPr>
+            <a:picLocks noGrp="1" noChangeAspect="1"/>
+          </p:cNvPicPr>
+          <p:nvPr>
+            <p:ph sz="half" idx="2"/>
+          </p:nvPr>
+        </p:nvPicPr>
+        <p:blipFill>
+          <a:blip r:embed="rId3" cstate="print"/>
+          <a:stretch>
+            <a:fillRect/>
+          </a:stretch>
+        </p:blipFill>
+        <p:spPr>
+          <a:xfrm>
+            <a:off x="1709903" y="3632421"/>
+            <a:ext cx="5382377" cy="2676899"/>
+          </a:xfrm>
+        </p:spPr>
+      </p:pic>
       <p:sp>
         <p:nvSpPr>
           <p:cNvPr id="4" name="Espaço Reservado para Número de Slide 3"/>
@@ -19439,6 +19972,13 @@
   <p:clrMapOvr>
     <a:masterClrMapping/>
   </p:clrMapOvr>
+  <p:timing>
+    <p:tnLst>
+      <p:par>
+        <p:cTn id="1" dur="indefinite" restart="never" nodeType="tmRoot"/>
+      </p:par>
+    </p:tnLst>
+  </p:timing>
 </p:sld>
 </file>
 
@@ -19629,16 +20169,25 @@
             <p:ph type="title"/>
           </p:nvPr>
         </p:nvSpPr>
-        <p:spPr/>
+        <p:spPr>
+          <a:xfrm>
+            <a:off x="251520" y="274638"/>
+            <a:ext cx="7467600" cy="1143000"/>
+          </a:xfrm>
+        </p:spPr>
         <p:txBody>
           <a:bodyPr/>
           <a:lstStyle/>
           <a:p>
             <a:r>
-              <a:rPr lang="pt-BR" dirty="0" smtClean="0"/>
-              <a:t>Exercício (fim)</a:t>
-            </a:r>
-            <a:endParaRPr lang="pt-BR" dirty="0"/>
+              <a:rPr lang="pt-BR" sz="4400" dirty="0" smtClean="0"/>
+              <a:t>Exercício </a:t>
+            </a:r>
+            <a:r>
+              <a:rPr lang="pt-BR" sz="4400" dirty="0" smtClean="0"/>
+              <a:t>(continuação)</a:t>
+            </a:r>
+            <a:endParaRPr lang="pt-BR" sz="4400" dirty="0"/>
           </a:p>
         </p:txBody>
       </p:sp>
@@ -19657,7 +20206,30 @@
           <a:bodyPr/>
           <a:lstStyle/>
           <a:p>
-            <a:endParaRPr lang="pt-BR" dirty="0"/>
+            <a:r>
+              <a:rPr lang="pt-BR" sz="2400" dirty="0" smtClean="0"/>
+              <a:t>Comando “</a:t>
+            </a:r>
+            <a:r>
+              <a:rPr lang="pt-BR" sz="2400" dirty="0" smtClean="0">
+                <a:solidFill>
+                  <a:srgbClr val="FFC000"/>
+                </a:solidFill>
+              </a:rPr>
+              <a:t>Novo</a:t>
+            </a:r>
+            <a:r>
+              <a:rPr lang="pt-BR" sz="2400" dirty="0" smtClean="0"/>
+              <a:t>”</a:t>
+            </a:r>
+          </a:p>
+          <a:p>
+            <a:pPr lvl="1"/>
+            <a:r>
+              <a:rPr lang="pt-BR" sz="2000" dirty="0" smtClean="0"/>
+              <a:t>Limpa a caixa de texto</a:t>
+            </a:r>
+            <a:endParaRPr lang="pt-BR" sz="2000" dirty="0" smtClean="0"/>
           </a:p>
         </p:txBody>
       </p:sp>
@@ -19695,6 +20267,1132 @@
   <p:clrMapOvr>
     <a:masterClrMapping/>
   </p:clrMapOvr>
+  <p:timing>
+    <p:tnLst>
+      <p:par>
+        <p:cTn id="1" dur="indefinite" restart="never" nodeType="tmRoot"/>
+      </p:par>
+    </p:tnLst>
+  </p:timing>
+</p:sld>
+</file>
+
+<file path=ppt/slides/slide31.xml><?xml version="1.0" encoding="utf-8"?>
+<p:sld xmlns:a="http://schemas.openxmlformats.org/drawingml/2006/main" xmlns:r="http://schemas.openxmlformats.org/officeDocument/2006/relationships" xmlns:p="http://schemas.openxmlformats.org/presentationml/2006/main">
+  <p:cSld>
+    <p:spTree>
+      <p:nvGrpSpPr>
+        <p:cNvPr id="1" name=""/>
+        <p:cNvGrpSpPr/>
+        <p:nvPr/>
+      </p:nvGrpSpPr>
+      <p:grpSpPr>
+        <a:xfrm>
+          <a:off x="0" y="0"/>
+          <a:ext cx="0" cy="0"/>
+          <a:chOff x="0" y="0"/>
+          <a:chExt cx="0" cy="0"/>
+        </a:xfrm>
+      </p:grpSpPr>
+      <p:sp>
+        <p:nvSpPr>
+          <p:cNvPr id="2" name="Título 1"/>
+          <p:cNvSpPr>
+            <a:spLocks noGrp="1"/>
+          </p:cNvSpPr>
+          <p:nvPr>
+            <p:ph type="title"/>
+          </p:nvPr>
+        </p:nvSpPr>
+        <p:spPr>
+          <a:xfrm>
+            <a:off x="251520" y="274638"/>
+            <a:ext cx="7467600" cy="1143000"/>
+          </a:xfrm>
+        </p:spPr>
+        <p:txBody>
+          <a:bodyPr/>
+          <a:lstStyle/>
+          <a:p>
+            <a:r>
+              <a:rPr lang="pt-BR" sz="4400" dirty="0" smtClean="0"/>
+              <a:t>Exercício </a:t>
+            </a:r>
+            <a:r>
+              <a:rPr lang="pt-BR" sz="4400" dirty="0" smtClean="0"/>
+              <a:t>(continuação)</a:t>
+            </a:r>
+            <a:endParaRPr lang="pt-BR" sz="4400" dirty="0"/>
+          </a:p>
+        </p:txBody>
+      </p:sp>
+      <p:sp>
+        <p:nvSpPr>
+          <p:cNvPr id="3" name="Espaço Reservado para Conteúdo 2"/>
+          <p:cNvSpPr>
+            <a:spLocks noGrp="1"/>
+          </p:cNvSpPr>
+          <p:nvPr>
+            <p:ph idx="1"/>
+          </p:nvPr>
+        </p:nvSpPr>
+        <p:spPr/>
+        <p:txBody>
+          <a:bodyPr/>
+          <a:lstStyle/>
+          <a:p>
+            <a:r>
+              <a:rPr lang="pt-BR" sz="2400" dirty="0" smtClean="0"/>
+              <a:t>Comando “</a:t>
+            </a:r>
+            <a:r>
+              <a:rPr lang="pt-BR" sz="2400" dirty="0" smtClean="0">
+                <a:solidFill>
+                  <a:srgbClr val="FFC000"/>
+                </a:solidFill>
+              </a:rPr>
+              <a:t>Abrir</a:t>
+            </a:r>
+            <a:r>
+              <a:rPr lang="pt-BR" sz="2400" dirty="0" smtClean="0"/>
+              <a:t>”</a:t>
+            </a:r>
+          </a:p>
+          <a:p>
+            <a:pPr lvl="1">
+              <a:spcBef>
+                <a:spcPts val="1800"/>
+              </a:spcBef>
+            </a:pPr>
+            <a:r>
+              <a:rPr lang="pt-BR" sz="2000" dirty="0" smtClean="0"/>
+              <a:t>Solicita que o usuário escolha um arquivo através do comando </a:t>
+            </a:r>
+            <a:r>
+              <a:rPr lang="pt-BR" sz="2000" dirty="0" err="1" smtClean="0">
+                <a:solidFill>
+                  <a:srgbClr val="FFC000"/>
+                </a:solidFill>
+              </a:rPr>
+              <a:t>jfcArquivo</a:t>
+            </a:r>
+            <a:r>
+              <a:rPr lang="pt-BR" sz="2000" dirty="0" smtClean="0">
+                <a:solidFill>
+                  <a:srgbClr val="FFC000"/>
+                </a:solidFill>
+              </a:rPr>
+              <a:t>.</a:t>
+            </a:r>
+            <a:r>
+              <a:rPr lang="pt-BR" sz="2000" dirty="0" err="1" smtClean="0">
+                <a:solidFill>
+                  <a:srgbClr val="FFC000"/>
+                </a:solidFill>
+              </a:rPr>
+              <a:t>showOpenDialog</a:t>
+            </a:r>
+            <a:r>
+              <a:rPr lang="pt-BR" sz="2000" dirty="0" smtClean="0">
+                <a:solidFill>
+                  <a:srgbClr val="FFC000"/>
+                </a:solidFill>
+              </a:rPr>
+              <a:t>()</a:t>
+            </a:r>
+            <a:r>
+              <a:rPr lang="pt-BR" sz="2000" dirty="0" smtClean="0"/>
+              <a:t>;</a:t>
+            </a:r>
+          </a:p>
+          <a:p>
+            <a:pPr lvl="1">
+              <a:spcBef>
+                <a:spcPts val="1800"/>
+              </a:spcBef>
+            </a:pPr>
+            <a:r>
+              <a:rPr lang="pt-BR" sz="2000" dirty="0" smtClean="0"/>
+              <a:t>Se o comando acima retornar o valor da constante </a:t>
+            </a:r>
+            <a:r>
+              <a:rPr lang="pt-BR" sz="2000" dirty="0" err="1" smtClean="0">
+                <a:solidFill>
+                  <a:srgbClr val="FFC000"/>
+                </a:solidFill>
+              </a:rPr>
+              <a:t>JFileChooser</a:t>
+            </a:r>
+            <a:r>
+              <a:rPr lang="pt-BR" sz="2000" dirty="0" smtClean="0">
+                <a:solidFill>
+                  <a:srgbClr val="FFC000"/>
+                </a:solidFill>
+              </a:rPr>
+              <a:t>.APPROVE_OPTION</a:t>
+            </a:r>
+            <a:r>
+              <a:rPr lang="pt-BR" sz="2000" dirty="0" smtClean="0"/>
+              <a:t>, significa que o usuário selecionou corretamente um arquivo.</a:t>
+            </a:r>
+            <a:endParaRPr lang="pt-BR" sz="2000" dirty="0" smtClean="0"/>
+          </a:p>
+          <a:p>
+            <a:pPr lvl="1" indent="-1588">
+              <a:spcBef>
+                <a:spcPts val="1800"/>
+              </a:spcBef>
+              <a:buNone/>
+            </a:pPr>
+            <a:r>
+              <a:rPr lang="pt-BR" sz="2000" dirty="0" smtClean="0"/>
+              <a:t>Neste caso utilize o comando abaixo para capturar o arquivo selecionado:</a:t>
+            </a:r>
+          </a:p>
+          <a:p>
+            <a:pPr marL="1588" lvl="1" indent="-1588" algn="ctr">
+              <a:spcBef>
+                <a:spcPts val="1800"/>
+              </a:spcBef>
+              <a:buNone/>
+            </a:pPr>
+            <a:r>
+              <a:rPr lang="pt-BR" sz="2000" dirty="0" smtClean="0">
+                <a:solidFill>
+                  <a:srgbClr val="FFC000"/>
+                </a:solidFill>
+              </a:rPr>
+              <a:t>File arquivo = </a:t>
+            </a:r>
+            <a:r>
+              <a:rPr lang="pt-BR" sz="2000" dirty="0" err="1" smtClean="0">
+                <a:solidFill>
+                  <a:srgbClr val="FFC000"/>
+                </a:solidFill>
+              </a:rPr>
+              <a:t>jfcArquivo</a:t>
+            </a:r>
+            <a:r>
+              <a:rPr lang="pt-BR" sz="2000" dirty="0" smtClean="0">
+                <a:solidFill>
+                  <a:srgbClr val="FFC000"/>
+                </a:solidFill>
+              </a:rPr>
+              <a:t>.</a:t>
+            </a:r>
+            <a:r>
+              <a:rPr lang="pt-BR" sz="2000" dirty="0" err="1" smtClean="0">
+                <a:solidFill>
+                  <a:srgbClr val="FFC000"/>
+                </a:solidFill>
+              </a:rPr>
+              <a:t>getSelectedFile</a:t>
+            </a:r>
+            <a:r>
+              <a:rPr lang="pt-BR" sz="2000" dirty="0" smtClean="0">
+                <a:solidFill>
+                  <a:srgbClr val="FFC000"/>
+                </a:solidFill>
+              </a:rPr>
+              <a:t>();</a:t>
+            </a:r>
+          </a:p>
+          <a:p>
+            <a:pPr lvl="1" indent="-1588">
+              <a:spcBef>
+                <a:spcPts val="1800"/>
+              </a:spcBef>
+              <a:buNone/>
+            </a:pPr>
+            <a:r>
+              <a:rPr lang="pt-BR" sz="2000" dirty="0" smtClean="0"/>
+              <a:t>Carregue a caixa de texto com todo o conteúdo do arquivo acima.</a:t>
+            </a:r>
+          </a:p>
+        </p:txBody>
+      </p:sp>
+      <p:sp>
+        <p:nvSpPr>
+          <p:cNvPr id="4" name="Espaço Reservado para Número de Slide 3"/>
+          <p:cNvSpPr>
+            <a:spLocks noGrp="1"/>
+          </p:cNvSpPr>
+          <p:nvPr>
+            <p:ph type="sldNum" sz="quarter" idx="12"/>
+          </p:nvPr>
+        </p:nvSpPr>
+        <p:spPr/>
+        <p:txBody>
+          <a:bodyPr/>
+          <a:lstStyle/>
+          <a:p>
+            <a:pPr>
+              <a:defRPr/>
+            </a:pPr>
+            <a:fld id="{676AE120-6210-44C4-9C14-8704E13AF0BD}" type="slidenum">
+              <a:rPr lang="pt-BR" smtClean="0"/>
+              <a:pPr>
+                <a:defRPr/>
+              </a:pPr>
+              <a:t>31</a:t>
+            </a:fld>
+            <a:endParaRPr lang="pt-BR"/>
+          </a:p>
+        </p:txBody>
+      </p:sp>
+    </p:spTree>
+  </p:cSld>
+  <p:clrMapOvr>
+    <a:masterClrMapping/>
+  </p:clrMapOvr>
+  <p:timing>
+    <p:tnLst>
+      <p:par>
+        <p:cTn id="1" dur="indefinite" restart="never" nodeType="tmRoot"/>
+      </p:par>
+    </p:tnLst>
+  </p:timing>
+</p:sld>
+</file>
+
+<file path=ppt/slides/slide32.xml><?xml version="1.0" encoding="utf-8"?>
+<p:sld xmlns:a="http://schemas.openxmlformats.org/drawingml/2006/main" xmlns:r="http://schemas.openxmlformats.org/officeDocument/2006/relationships" xmlns:p="http://schemas.openxmlformats.org/presentationml/2006/main">
+  <p:cSld>
+    <p:spTree>
+      <p:nvGrpSpPr>
+        <p:cNvPr id="1" name=""/>
+        <p:cNvGrpSpPr/>
+        <p:nvPr/>
+      </p:nvGrpSpPr>
+      <p:grpSpPr>
+        <a:xfrm>
+          <a:off x="0" y="0"/>
+          <a:ext cx="0" cy="0"/>
+          <a:chOff x="0" y="0"/>
+          <a:chExt cx="0" cy="0"/>
+        </a:xfrm>
+      </p:grpSpPr>
+      <p:sp>
+        <p:nvSpPr>
+          <p:cNvPr id="2" name="Título 1"/>
+          <p:cNvSpPr>
+            <a:spLocks noGrp="1"/>
+          </p:cNvSpPr>
+          <p:nvPr>
+            <p:ph type="title"/>
+          </p:nvPr>
+        </p:nvSpPr>
+        <p:spPr>
+          <a:xfrm>
+            <a:off x="251520" y="274638"/>
+            <a:ext cx="7467600" cy="1143000"/>
+          </a:xfrm>
+        </p:spPr>
+        <p:txBody>
+          <a:bodyPr/>
+          <a:lstStyle/>
+          <a:p>
+            <a:r>
+              <a:rPr lang="pt-BR" sz="4400" dirty="0" smtClean="0"/>
+              <a:t>Exercício </a:t>
+            </a:r>
+            <a:r>
+              <a:rPr lang="pt-BR" sz="4400" dirty="0" smtClean="0"/>
+              <a:t>(continuação)</a:t>
+            </a:r>
+            <a:endParaRPr lang="pt-BR" sz="4400" dirty="0"/>
+          </a:p>
+        </p:txBody>
+      </p:sp>
+      <p:sp>
+        <p:nvSpPr>
+          <p:cNvPr id="3" name="Espaço Reservado para Conteúdo 2"/>
+          <p:cNvSpPr>
+            <a:spLocks noGrp="1"/>
+          </p:cNvSpPr>
+          <p:nvPr>
+            <p:ph idx="1"/>
+          </p:nvPr>
+        </p:nvSpPr>
+        <p:spPr/>
+        <p:txBody>
+          <a:bodyPr/>
+          <a:lstStyle/>
+          <a:p>
+            <a:r>
+              <a:rPr lang="pt-BR" sz="2400" dirty="0" smtClean="0"/>
+              <a:t>Comando “</a:t>
+            </a:r>
+            <a:r>
+              <a:rPr lang="pt-BR" sz="2400" dirty="0" smtClean="0">
+                <a:solidFill>
+                  <a:srgbClr val="FFC000"/>
+                </a:solidFill>
+              </a:rPr>
+              <a:t>Salvar</a:t>
+            </a:r>
+            <a:r>
+              <a:rPr lang="pt-BR" sz="2400" dirty="0" smtClean="0"/>
+              <a:t>”</a:t>
+            </a:r>
+          </a:p>
+          <a:p>
+            <a:pPr lvl="1">
+              <a:spcBef>
+                <a:spcPts val="1800"/>
+              </a:spcBef>
+            </a:pPr>
+            <a:r>
+              <a:rPr lang="pt-BR" sz="2000" dirty="0" smtClean="0"/>
+              <a:t>Solicita que o usuário escolha </a:t>
+            </a:r>
+            <a:r>
+              <a:rPr lang="pt-BR" sz="2000" dirty="0" smtClean="0"/>
+              <a:t>arquivo existente ou digite o nome de um novo arquivo através </a:t>
+            </a:r>
+            <a:r>
+              <a:rPr lang="pt-BR" sz="2000" dirty="0" smtClean="0"/>
+              <a:t>do comando </a:t>
+            </a:r>
+            <a:r>
+              <a:rPr lang="pt-BR" sz="2000" dirty="0" err="1" smtClean="0">
+                <a:solidFill>
+                  <a:srgbClr val="FFC000"/>
+                </a:solidFill>
+              </a:rPr>
+              <a:t>jfcArquivo</a:t>
+            </a:r>
+            <a:r>
+              <a:rPr lang="pt-BR" sz="2000" dirty="0" smtClean="0">
+                <a:solidFill>
+                  <a:srgbClr val="FFC000"/>
+                </a:solidFill>
+              </a:rPr>
+              <a:t>.</a:t>
+            </a:r>
+            <a:r>
+              <a:rPr lang="pt-BR" sz="2000" dirty="0" err="1" smtClean="0">
+                <a:solidFill>
+                  <a:srgbClr val="FFC000"/>
+                </a:solidFill>
+              </a:rPr>
+              <a:t>showSaveDialog</a:t>
+            </a:r>
+            <a:r>
+              <a:rPr lang="pt-BR" sz="2000" dirty="0" smtClean="0">
+                <a:solidFill>
+                  <a:srgbClr val="FFC000"/>
+                </a:solidFill>
+              </a:rPr>
+              <a:t>()</a:t>
+            </a:r>
+            <a:r>
+              <a:rPr lang="pt-BR" sz="2000" dirty="0" smtClean="0"/>
+              <a:t>;</a:t>
+            </a:r>
+          </a:p>
+          <a:p>
+            <a:pPr lvl="1">
+              <a:spcBef>
+                <a:spcPts val="1800"/>
+              </a:spcBef>
+            </a:pPr>
+            <a:r>
+              <a:rPr lang="pt-BR" sz="2000" dirty="0" smtClean="0"/>
+              <a:t>Se o comando acima retornar o valor da constante </a:t>
+            </a:r>
+            <a:r>
+              <a:rPr lang="pt-BR" sz="2000" dirty="0" err="1" smtClean="0">
+                <a:solidFill>
+                  <a:srgbClr val="FFC000"/>
+                </a:solidFill>
+              </a:rPr>
+              <a:t>JFileChooser</a:t>
+            </a:r>
+            <a:r>
+              <a:rPr lang="pt-BR" sz="2000" dirty="0" smtClean="0">
+                <a:solidFill>
+                  <a:srgbClr val="FFC000"/>
+                </a:solidFill>
+              </a:rPr>
+              <a:t>.APPROVE_OPTION</a:t>
+            </a:r>
+            <a:r>
+              <a:rPr lang="pt-BR" sz="2000" dirty="0" smtClean="0"/>
+              <a:t>, </a:t>
+            </a:r>
+            <a:r>
+              <a:rPr lang="pt-BR" sz="2000" dirty="0" smtClean="0"/>
+              <a:t>salve todo o conteúdo da caixa de texto no arquivo obtido pelo comando abaixo:</a:t>
+            </a:r>
+            <a:endParaRPr lang="pt-BR" sz="2000" dirty="0" smtClean="0"/>
+          </a:p>
+          <a:p>
+            <a:pPr marL="1588" lvl="1" indent="-1588" algn="ctr">
+              <a:spcBef>
+                <a:spcPts val="1800"/>
+              </a:spcBef>
+              <a:buNone/>
+            </a:pPr>
+            <a:r>
+              <a:rPr lang="pt-BR" sz="2000" dirty="0" smtClean="0">
+                <a:solidFill>
+                  <a:srgbClr val="FFC000"/>
+                </a:solidFill>
+              </a:rPr>
+              <a:t>File </a:t>
+            </a:r>
+            <a:r>
+              <a:rPr lang="pt-BR" sz="2000" dirty="0" smtClean="0">
+                <a:solidFill>
+                  <a:srgbClr val="FFC000"/>
+                </a:solidFill>
+              </a:rPr>
+              <a:t>arquivo = </a:t>
+            </a:r>
+            <a:r>
+              <a:rPr lang="pt-BR" sz="2000" dirty="0" err="1" smtClean="0">
+                <a:solidFill>
+                  <a:srgbClr val="FFC000"/>
+                </a:solidFill>
+              </a:rPr>
+              <a:t>jfcArquivo</a:t>
+            </a:r>
+            <a:r>
+              <a:rPr lang="pt-BR" sz="2000" dirty="0" smtClean="0">
+                <a:solidFill>
+                  <a:srgbClr val="FFC000"/>
+                </a:solidFill>
+              </a:rPr>
+              <a:t>.</a:t>
+            </a:r>
+            <a:r>
+              <a:rPr lang="pt-BR" sz="2000" dirty="0" err="1" smtClean="0">
+                <a:solidFill>
+                  <a:srgbClr val="FFC000"/>
+                </a:solidFill>
+              </a:rPr>
+              <a:t>getSelectedFile</a:t>
+            </a:r>
+            <a:r>
+              <a:rPr lang="pt-BR" sz="2000" dirty="0" smtClean="0">
+                <a:solidFill>
+                  <a:srgbClr val="FFC000"/>
+                </a:solidFill>
+              </a:rPr>
+              <a:t>();</a:t>
+            </a:r>
+            <a:endParaRPr lang="pt-BR" sz="2000" dirty="0" smtClean="0">
+              <a:solidFill>
+                <a:srgbClr val="FFC000"/>
+              </a:solidFill>
+            </a:endParaRPr>
+          </a:p>
+        </p:txBody>
+      </p:sp>
+      <p:sp>
+        <p:nvSpPr>
+          <p:cNvPr id="4" name="Espaço Reservado para Número de Slide 3"/>
+          <p:cNvSpPr>
+            <a:spLocks noGrp="1"/>
+          </p:cNvSpPr>
+          <p:nvPr>
+            <p:ph type="sldNum" sz="quarter" idx="12"/>
+          </p:nvPr>
+        </p:nvSpPr>
+        <p:spPr/>
+        <p:txBody>
+          <a:bodyPr/>
+          <a:lstStyle/>
+          <a:p>
+            <a:pPr>
+              <a:defRPr/>
+            </a:pPr>
+            <a:fld id="{676AE120-6210-44C4-9C14-8704E13AF0BD}" type="slidenum">
+              <a:rPr lang="pt-BR" smtClean="0"/>
+              <a:pPr>
+                <a:defRPr/>
+              </a:pPr>
+              <a:t>32</a:t>
+            </a:fld>
+            <a:endParaRPr lang="pt-BR"/>
+          </a:p>
+        </p:txBody>
+      </p:sp>
+    </p:spTree>
+  </p:cSld>
+  <p:clrMapOvr>
+    <a:masterClrMapping/>
+  </p:clrMapOvr>
+  <p:timing>
+    <p:tnLst>
+      <p:par>
+        <p:cTn id="1" dur="indefinite" restart="never" nodeType="tmRoot"/>
+      </p:par>
+    </p:tnLst>
+  </p:timing>
+</p:sld>
+</file>
+
+<file path=ppt/slides/slide33.xml><?xml version="1.0" encoding="utf-8"?>
+<p:sld xmlns:a="http://schemas.openxmlformats.org/drawingml/2006/main" xmlns:r="http://schemas.openxmlformats.org/officeDocument/2006/relationships" xmlns:p="http://schemas.openxmlformats.org/presentationml/2006/main">
+  <p:cSld>
+    <p:spTree>
+      <p:nvGrpSpPr>
+        <p:cNvPr id="1" name=""/>
+        <p:cNvGrpSpPr/>
+        <p:nvPr/>
+      </p:nvGrpSpPr>
+      <p:grpSpPr>
+        <a:xfrm>
+          <a:off x="0" y="0"/>
+          <a:ext cx="0" cy="0"/>
+          <a:chOff x="0" y="0"/>
+          <a:chExt cx="0" cy="0"/>
+        </a:xfrm>
+      </p:grpSpPr>
+      <p:sp>
+        <p:nvSpPr>
+          <p:cNvPr id="2" name="Título 1"/>
+          <p:cNvSpPr>
+            <a:spLocks noGrp="1"/>
+          </p:cNvSpPr>
+          <p:nvPr>
+            <p:ph type="title"/>
+          </p:nvPr>
+        </p:nvSpPr>
+        <p:spPr>
+          <a:xfrm>
+            <a:off x="251520" y="274638"/>
+            <a:ext cx="7467600" cy="1143000"/>
+          </a:xfrm>
+        </p:spPr>
+        <p:txBody>
+          <a:bodyPr/>
+          <a:lstStyle/>
+          <a:p>
+            <a:r>
+              <a:rPr lang="pt-BR" sz="4400" dirty="0" smtClean="0"/>
+              <a:t>Exercício (fim)</a:t>
+            </a:r>
+            <a:endParaRPr lang="pt-BR" sz="4400" dirty="0"/>
+          </a:p>
+        </p:txBody>
+      </p:sp>
+      <p:sp>
+        <p:nvSpPr>
+          <p:cNvPr id="3" name="Espaço Reservado para Conteúdo 2"/>
+          <p:cNvSpPr>
+            <a:spLocks noGrp="1"/>
+          </p:cNvSpPr>
+          <p:nvPr>
+            <p:ph idx="1"/>
+          </p:nvPr>
+        </p:nvSpPr>
+        <p:spPr/>
+        <p:txBody>
+          <a:bodyPr/>
+          <a:lstStyle/>
+          <a:p>
+            <a:r>
+              <a:rPr lang="pt-BR" sz="2400" dirty="0" smtClean="0"/>
+              <a:t>Sair</a:t>
+            </a:r>
+          </a:p>
+          <a:p>
+            <a:pPr lvl="1"/>
+            <a:r>
+              <a:rPr lang="pt-BR" sz="2000" dirty="0" smtClean="0"/>
+              <a:t>Fecha a janela com o método </a:t>
+            </a:r>
+            <a:r>
+              <a:rPr lang="pt-BR" sz="2000" dirty="0" err="1" smtClean="0">
+                <a:solidFill>
+                  <a:srgbClr val="FFC000"/>
+                </a:solidFill>
+              </a:rPr>
+              <a:t>dispose</a:t>
+            </a:r>
+            <a:r>
+              <a:rPr lang="pt-BR" sz="2000" dirty="0" smtClean="0">
+                <a:solidFill>
+                  <a:srgbClr val="FFC000"/>
+                </a:solidFill>
+              </a:rPr>
+              <a:t>()</a:t>
+            </a:r>
+            <a:endParaRPr lang="pt-BR" sz="2000" dirty="0">
+              <a:solidFill>
+                <a:srgbClr val="FFC000"/>
+              </a:solidFill>
+            </a:endParaRPr>
+          </a:p>
+        </p:txBody>
+      </p:sp>
+      <p:sp>
+        <p:nvSpPr>
+          <p:cNvPr id="4" name="Espaço Reservado para Número de Slide 3"/>
+          <p:cNvSpPr>
+            <a:spLocks noGrp="1"/>
+          </p:cNvSpPr>
+          <p:nvPr>
+            <p:ph type="sldNum" sz="quarter" idx="12"/>
+          </p:nvPr>
+        </p:nvSpPr>
+        <p:spPr/>
+        <p:txBody>
+          <a:bodyPr/>
+          <a:lstStyle/>
+          <a:p>
+            <a:pPr>
+              <a:defRPr/>
+            </a:pPr>
+            <a:fld id="{676AE120-6210-44C4-9C14-8704E13AF0BD}" type="slidenum">
+              <a:rPr lang="pt-BR" smtClean="0"/>
+              <a:pPr>
+                <a:defRPr/>
+              </a:pPr>
+              <a:t>33</a:t>
+            </a:fld>
+            <a:endParaRPr lang="pt-BR"/>
+          </a:p>
+        </p:txBody>
+      </p:sp>
+    </p:spTree>
+  </p:cSld>
+  <p:clrMapOvr>
+    <a:masterClrMapping/>
+  </p:clrMapOvr>
+  <p:timing>
+    <p:tnLst>
+      <p:par>
+        <p:cTn id="1" dur="indefinite" restart="never" nodeType="tmRoot"/>
+      </p:par>
+    </p:tnLst>
+  </p:timing>
+</p:sld>
+</file>
+
+<file path=ppt/slides/slide34.xml><?xml version="1.0" encoding="utf-8"?>
+<p:sld xmlns:a="http://schemas.openxmlformats.org/drawingml/2006/main" xmlns:r="http://schemas.openxmlformats.org/officeDocument/2006/relationships" xmlns:p="http://schemas.openxmlformats.org/presentationml/2006/main">
+  <p:cSld>
+    <p:spTree>
+      <p:nvGrpSpPr>
+        <p:cNvPr id="1" name=""/>
+        <p:cNvGrpSpPr/>
+        <p:nvPr/>
+      </p:nvGrpSpPr>
+      <p:grpSpPr>
+        <a:xfrm>
+          <a:off x="0" y="0"/>
+          <a:ext cx="0" cy="0"/>
+          <a:chOff x="0" y="0"/>
+          <a:chExt cx="0" cy="0"/>
+        </a:xfrm>
+      </p:grpSpPr>
+      <p:sp>
+        <p:nvSpPr>
+          <p:cNvPr id="2" name="Título 1"/>
+          <p:cNvSpPr>
+            <a:spLocks noGrp="1"/>
+          </p:cNvSpPr>
+          <p:nvPr>
+            <p:ph type="title"/>
+          </p:nvPr>
+        </p:nvSpPr>
+        <p:spPr>
+          <a:xfrm>
+            <a:off x="251520" y="274638"/>
+            <a:ext cx="7467600" cy="1143000"/>
+          </a:xfrm>
+        </p:spPr>
+        <p:txBody>
+          <a:bodyPr/>
+          <a:lstStyle/>
+          <a:p>
+            <a:r>
+              <a:rPr lang="pt-BR" sz="4400" dirty="0" smtClean="0"/>
+              <a:t>Exercício </a:t>
+            </a:r>
+            <a:r>
+              <a:rPr lang="pt-BR" sz="4400" dirty="0" smtClean="0"/>
+              <a:t>(desafio 1)</a:t>
+            </a:r>
+            <a:endParaRPr lang="pt-BR" sz="4400" dirty="0"/>
+          </a:p>
+        </p:txBody>
+      </p:sp>
+      <p:sp>
+        <p:nvSpPr>
+          <p:cNvPr id="3" name="Espaço Reservado para Conteúdo 2"/>
+          <p:cNvSpPr>
+            <a:spLocks noGrp="1"/>
+          </p:cNvSpPr>
+          <p:nvPr>
+            <p:ph idx="1"/>
+          </p:nvPr>
+        </p:nvSpPr>
+        <p:spPr/>
+        <p:txBody>
+          <a:bodyPr/>
+          <a:lstStyle/>
+          <a:p>
+            <a:pPr marL="493712" indent="-457200"/>
+            <a:r>
+              <a:rPr lang="pt-BR" sz="2400" dirty="0" smtClean="0"/>
+              <a:t>Sobrepor arquivo existente</a:t>
+            </a:r>
+          </a:p>
+          <a:p>
+            <a:pPr lvl="1"/>
+            <a:r>
+              <a:rPr lang="pt-BR" sz="2000" dirty="0" smtClean="0"/>
+              <a:t>Altere o comando “Salvar” para que verifique se o arquivo selecionado já existe.</a:t>
+            </a:r>
+          </a:p>
+          <a:p>
+            <a:pPr lvl="1"/>
+            <a:r>
+              <a:rPr lang="pt-BR" sz="2000" dirty="0" smtClean="0"/>
+              <a:t>Se sim, pergunte ao usuário se deseja sobrepor o arquivo selecionado.</a:t>
+            </a:r>
+          </a:p>
+          <a:p>
+            <a:pPr lvl="1"/>
+            <a:endParaRPr lang="pt-BR" sz="2000" dirty="0" smtClean="0"/>
+          </a:p>
+          <a:p>
+            <a:pPr lvl="1"/>
+            <a:endParaRPr lang="pt-BR" sz="2000" dirty="0" smtClean="0"/>
+          </a:p>
+          <a:p>
+            <a:pPr lvl="1"/>
+            <a:endParaRPr lang="pt-BR" sz="2000" dirty="0" smtClean="0"/>
+          </a:p>
+          <a:p>
+            <a:pPr lvl="1"/>
+            <a:endParaRPr lang="pt-BR" sz="2000" dirty="0" smtClean="0"/>
+          </a:p>
+          <a:p>
+            <a:pPr lvl="1"/>
+            <a:r>
+              <a:rPr lang="pt-BR" sz="2000" dirty="0" smtClean="0"/>
+              <a:t>Se o objeto </a:t>
+            </a:r>
+            <a:r>
+              <a:rPr lang="pt-BR" sz="2000" dirty="0" err="1" smtClean="0">
+                <a:solidFill>
+                  <a:srgbClr val="FFC000"/>
+                </a:solidFill>
+              </a:rPr>
+              <a:t>jfcArquivo</a:t>
+            </a:r>
+            <a:r>
+              <a:rPr lang="pt-BR" sz="2000" dirty="0" smtClean="0"/>
+              <a:t> já possui um arquivo selecionado, não é necessário exibir novamente a caixa de diálogo “Salvar”. Desta forma, o nome do arquivo só será perguntado na primeira vez.</a:t>
+            </a:r>
+          </a:p>
+        </p:txBody>
+      </p:sp>
+      <p:sp>
+        <p:nvSpPr>
+          <p:cNvPr id="4" name="Espaço Reservado para Número de Slide 3"/>
+          <p:cNvSpPr>
+            <a:spLocks noGrp="1"/>
+          </p:cNvSpPr>
+          <p:nvPr>
+            <p:ph type="sldNum" sz="quarter" idx="12"/>
+          </p:nvPr>
+        </p:nvSpPr>
+        <p:spPr/>
+        <p:txBody>
+          <a:bodyPr/>
+          <a:lstStyle/>
+          <a:p>
+            <a:pPr>
+              <a:defRPr/>
+            </a:pPr>
+            <a:fld id="{676AE120-6210-44C4-9C14-8704E13AF0BD}" type="slidenum">
+              <a:rPr lang="pt-BR" smtClean="0"/>
+              <a:pPr>
+                <a:defRPr/>
+              </a:pPr>
+              <a:t>34</a:t>
+            </a:fld>
+            <a:endParaRPr lang="pt-BR"/>
+          </a:p>
+        </p:txBody>
+      </p:sp>
+      <p:pic>
+        <p:nvPicPr>
+          <p:cNvPr id="5" name="Imagem 4" descr="Save.png"/>
+          <p:cNvPicPr>
+            <a:picLocks noChangeAspect="1"/>
+          </p:cNvPicPr>
+          <p:nvPr/>
+        </p:nvPicPr>
+        <p:blipFill>
+          <a:blip r:embed="rId3" cstate="print"/>
+          <a:stretch>
+            <a:fillRect/>
+          </a:stretch>
+        </p:blipFill>
+        <p:spPr>
+          <a:xfrm>
+            <a:off x="2771800" y="3501008"/>
+            <a:ext cx="3581900" cy="1219370"/>
+          </a:xfrm>
+          <a:prstGeom prst="rect">
+            <a:avLst/>
+          </a:prstGeom>
+        </p:spPr>
+      </p:pic>
+    </p:spTree>
+  </p:cSld>
+  <p:clrMapOvr>
+    <a:masterClrMapping/>
+  </p:clrMapOvr>
+  <p:timing>
+    <p:tnLst>
+      <p:par>
+        <p:cTn id="1" dur="indefinite" restart="never" nodeType="tmRoot"/>
+      </p:par>
+    </p:tnLst>
+  </p:timing>
+</p:sld>
+</file>
+
+<file path=ppt/slides/slide35.xml><?xml version="1.0" encoding="utf-8"?>
+<p:sld xmlns:a="http://schemas.openxmlformats.org/drawingml/2006/main" xmlns:r="http://schemas.openxmlformats.org/officeDocument/2006/relationships" xmlns:p="http://schemas.openxmlformats.org/presentationml/2006/main">
+  <p:cSld>
+    <p:spTree>
+      <p:nvGrpSpPr>
+        <p:cNvPr id="1" name=""/>
+        <p:cNvGrpSpPr/>
+        <p:nvPr/>
+      </p:nvGrpSpPr>
+      <p:grpSpPr>
+        <a:xfrm>
+          <a:off x="0" y="0"/>
+          <a:ext cx="0" cy="0"/>
+          <a:chOff x="0" y="0"/>
+          <a:chExt cx="0" cy="0"/>
+        </a:xfrm>
+      </p:grpSpPr>
+      <p:sp>
+        <p:nvSpPr>
+          <p:cNvPr id="2" name="Título 1"/>
+          <p:cNvSpPr>
+            <a:spLocks noGrp="1"/>
+          </p:cNvSpPr>
+          <p:nvPr>
+            <p:ph type="title"/>
+          </p:nvPr>
+        </p:nvSpPr>
+        <p:spPr>
+          <a:xfrm>
+            <a:off x="251520" y="274638"/>
+            <a:ext cx="7467600" cy="1143000"/>
+          </a:xfrm>
+        </p:spPr>
+        <p:txBody>
+          <a:bodyPr/>
+          <a:lstStyle/>
+          <a:p>
+            <a:r>
+              <a:rPr lang="pt-BR" sz="4400" dirty="0" smtClean="0"/>
+              <a:t>Exercício </a:t>
+            </a:r>
+            <a:r>
+              <a:rPr lang="pt-BR" sz="4400" dirty="0" smtClean="0"/>
+              <a:t>(desafio 2)</a:t>
+            </a:r>
+            <a:endParaRPr lang="pt-BR" sz="4400" dirty="0"/>
+          </a:p>
+        </p:txBody>
+      </p:sp>
+      <p:sp>
+        <p:nvSpPr>
+          <p:cNvPr id="3" name="Espaço Reservado para Conteúdo 2"/>
+          <p:cNvSpPr>
+            <a:spLocks noGrp="1"/>
+          </p:cNvSpPr>
+          <p:nvPr>
+            <p:ph idx="1"/>
+          </p:nvPr>
+        </p:nvSpPr>
+        <p:spPr/>
+        <p:txBody>
+          <a:bodyPr/>
+          <a:lstStyle/>
+          <a:p>
+            <a:pPr marL="493712" indent="-457200"/>
+            <a:r>
+              <a:rPr lang="pt-BR" sz="2000" dirty="0" smtClean="0"/>
+              <a:t>Confirmação de fechamento</a:t>
+            </a:r>
+          </a:p>
+          <a:p>
+            <a:pPr lvl="1"/>
+            <a:r>
+              <a:rPr lang="pt-BR" sz="1800" dirty="0" smtClean="0"/>
+              <a:t>Ao fechar a janela verifique se o conteúdo da caixa de texto já foi salvo.</a:t>
+            </a:r>
+          </a:p>
+          <a:p>
+            <a:pPr lvl="1"/>
+            <a:endParaRPr lang="pt-BR" sz="1800" dirty="0" smtClean="0"/>
+          </a:p>
+          <a:p>
+            <a:pPr lvl="1"/>
+            <a:endParaRPr lang="pt-BR" sz="1800" dirty="0" smtClean="0"/>
+          </a:p>
+          <a:p>
+            <a:pPr lvl="1"/>
+            <a:endParaRPr lang="pt-BR" sz="1800" dirty="0" smtClean="0"/>
+          </a:p>
+          <a:p>
+            <a:r>
+              <a:rPr lang="pt-BR" sz="2000" dirty="0" smtClean="0"/>
+              <a:t>Dica</a:t>
+            </a:r>
+          </a:p>
+          <a:p>
+            <a:pPr lvl="1"/>
+            <a:r>
+              <a:rPr lang="pt-BR" sz="1800" dirty="0" smtClean="0"/>
+              <a:t>Crie um atributo booleano </a:t>
+            </a:r>
+            <a:r>
+              <a:rPr lang="pt-BR" sz="1800" dirty="0" err="1" smtClean="0">
+                <a:solidFill>
+                  <a:srgbClr val="FFC000"/>
+                </a:solidFill>
+              </a:rPr>
+              <a:t>saved</a:t>
+            </a:r>
+            <a:r>
+              <a:rPr lang="pt-BR" sz="1800" dirty="0" smtClean="0"/>
+              <a:t> na classe que será utilizada pelos comandos para lembrar se o texto foi salvo ou não;</a:t>
+            </a:r>
+          </a:p>
+          <a:p>
+            <a:pPr lvl="1"/>
+            <a:r>
+              <a:rPr lang="pt-BR" sz="1800" dirty="0" smtClean="0"/>
+              <a:t>Altere a propriedade </a:t>
+            </a:r>
+            <a:r>
+              <a:rPr lang="pt-BR" sz="1800" dirty="0" err="1" smtClean="0">
+                <a:solidFill>
+                  <a:srgbClr val="FFC000"/>
+                </a:solidFill>
+              </a:rPr>
+              <a:t>defaultCloseOperation</a:t>
+            </a:r>
+            <a:r>
+              <a:rPr lang="pt-BR" sz="1800" dirty="0" smtClean="0"/>
+              <a:t> da janela para </a:t>
+            </a:r>
+            <a:r>
+              <a:rPr lang="pt-BR" sz="1800" dirty="0" smtClean="0">
+                <a:solidFill>
+                  <a:srgbClr val="FFC000"/>
+                </a:solidFill>
+              </a:rPr>
+              <a:t>NOTHING_ON_CLOSE</a:t>
+            </a:r>
+            <a:r>
+              <a:rPr lang="pt-BR" sz="1800" dirty="0" smtClean="0"/>
+              <a:t>. Desta forma você terá controle sobre o clique no botão fechar;</a:t>
+            </a:r>
+          </a:p>
+          <a:p>
+            <a:pPr lvl="1"/>
+            <a:r>
+              <a:rPr lang="pt-BR" sz="1800" dirty="0" smtClean="0"/>
+              <a:t>Implemente o evento </a:t>
+            </a:r>
+            <a:r>
+              <a:rPr lang="pt-BR" sz="1800" dirty="0" err="1" smtClean="0">
+                <a:solidFill>
+                  <a:srgbClr val="FFC000"/>
+                </a:solidFill>
+              </a:rPr>
+              <a:t>windowClosing</a:t>
+            </a:r>
+            <a:r>
+              <a:rPr lang="pt-BR" sz="1800" dirty="0" smtClean="0"/>
+              <a:t> de sua janela para fazer a verificação antes de fechar a janela.</a:t>
+            </a:r>
+          </a:p>
+        </p:txBody>
+      </p:sp>
+      <p:sp>
+        <p:nvSpPr>
+          <p:cNvPr id="4" name="Espaço Reservado para Número de Slide 3"/>
+          <p:cNvSpPr>
+            <a:spLocks noGrp="1"/>
+          </p:cNvSpPr>
+          <p:nvPr>
+            <p:ph type="sldNum" sz="quarter" idx="12"/>
+          </p:nvPr>
+        </p:nvSpPr>
+        <p:spPr/>
+        <p:txBody>
+          <a:bodyPr/>
+          <a:lstStyle/>
+          <a:p>
+            <a:pPr>
+              <a:defRPr/>
+            </a:pPr>
+            <a:fld id="{676AE120-6210-44C4-9C14-8704E13AF0BD}" type="slidenum">
+              <a:rPr lang="pt-BR" smtClean="0"/>
+              <a:pPr>
+                <a:defRPr/>
+              </a:pPr>
+              <a:t>35</a:t>
+            </a:fld>
+            <a:endParaRPr lang="pt-BR"/>
+          </a:p>
+        </p:txBody>
+      </p:sp>
+      <p:pic>
+        <p:nvPicPr>
+          <p:cNvPr id="5" name="Imagem 4" descr="Fechar.png"/>
+          <p:cNvPicPr>
+            <a:picLocks noChangeAspect="1"/>
+          </p:cNvPicPr>
+          <p:nvPr/>
+        </p:nvPicPr>
+        <p:blipFill>
+          <a:blip r:embed="rId3" cstate="print"/>
+          <a:stretch>
+            <a:fillRect/>
+          </a:stretch>
+        </p:blipFill>
+        <p:spPr>
+          <a:xfrm>
+            <a:off x="2987824" y="2492896"/>
+            <a:ext cx="2991268" cy="1219370"/>
+          </a:xfrm>
+          <a:prstGeom prst="rect">
+            <a:avLst/>
+          </a:prstGeom>
+        </p:spPr>
+      </p:pic>
+    </p:spTree>
+  </p:cSld>
+  <p:clrMapOvr>
+    <a:masterClrMapping/>
+  </p:clrMapOvr>
+  <p:timing>
+    <p:tnLst>
+      <p:par>
+        <p:cTn id="1" dur="indefinite" restart="never" nodeType="tmRoot"/>
+      </p:par>
+    </p:tnLst>
+  </p:timing>
 </p:sld>
 </file>
 

--- a/2-Java-Programmer-Modulo-II/18.Capitulo10.pptx
+++ b/2-Java-Programmer-Modulo-II/18.Capitulo10.pptx
@@ -283,7 +283,7 @@
               <a:pPr>
                 <a:defRPr/>
               </a:pPr>
-              <a:t>30/05/2012</a:t>
+              <a:t>14/7/2012</a:t>
             </a:fld>
             <a:endParaRPr lang="pt-BR"/>
           </a:p>
@@ -4221,7 +4221,7 @@
               <a:pPr>
                 <a:defRPr/>
               </a:pPr>
-              <a:t>30/05/2012</a:t>
+              <a:t>14/7/2012</a:t>
             </a:fld>
             <a:endParaRPr lang="pt-BR"/>
           </a:p>
@@ -4413,7 +4413,7 @@
               <a:pPr>
                 <a:defRPr/>
               </a:pPr>
-              <a:t>30/05/2012</a:t>
+              <a:t>14/7/2012</a:t>
             </a:fld>
             <a:endParaRPr lang="pt-BR"/>
           </a:p>
@@ -4615,7 +4615,7 @@
               <a:pPr>
                 <a:defRPr/>
               </a:pPr>
-              <a:t>30/05/2012</a:t>
+              <a:t>14/7/2012</a:t>
             </a:fld>
             <a:endParaRPr lang="pt-BR"/>
           </a:p>
@@ -4811,7 +4811,7 @@
               <a:pPr>
                 <a:defRPr/>
               </a:pPr>
-              <a:t>30/05/2012</a:t>
+              <a:t>14/7/2012</a:t>
             </a:fld>
             <a:endParaRPr lang="pt-BR"/>
           </a:p>
@@ -5317,7 +5317,7 @@
               <a:pPr>
                 <a:defRPr/>
               </a:pPr>
-              <a:t>30/05/2012</a:t>
+              <a:t>14/7/2012</a:t>
             </a:fld>
             <a:endParaRPr lang="pt-BR"/>
           </a:p>
@@ -5608,7 +5608,7 @@
               <a:pPr>
                 <a:defRPr/>
               </a:pPr>
-              <a:t>30/05/2012</a:t>
+              <a:t>14/7/2012</a:t>
             </a:fld>
             <a:endParaRPr lang="pt-BR"/>
           </a:p>
@@ -6009,7 +6009,7 @@
               <a:pPr>
                 <a:defRPr/>
               </a:pPr>
-              <a:t>30/05/2012</a:t>
+              <a:t>14/7/2012</a:t>
             </a:fld>
             <a:endParaRPr lang="pt-BR"/>
           </a:p>
@@ -6158,7 +6158,7 @@
               <a:pPr>
                 <a:defRPr/>
               </a:pPr>
-              <a:t>30/05/2012</a:t>
+              <a:t>14/7/2012</a:t>
             </a:fld>
             <a:endParaRPr lang="pt-BR"/>
           </a:p>
@@ -6275,7 +6275,7 @@
               <a:pPr>
                 <a:defRPr/>
               </a:pPr>
-              <a:t>30/05/2012</a:t>
+              <a:t>14/7/2012</a:t>
             </a:fld>
             <a:endParaRPr lang="pt-BR"/>
           </a:p>
@@ -6551,7 +6551,7 @@
               <a:pPr>
                 <a:defRPr/>
               </a:pPr>
-              <a:t>30/05/2012</a:t>
+              <a:t>14/7/2012</a:t>
             </a:fld>
             <a:endParaRPr lang="pt-BR"/>
           </a:p>
@@ -6835,7 +6835,7 @@
               <a:pPr>
                 <a:defRPr/>
               </a:pPr>
-              <a:t>30/05/2012</a:t>
+              <a:t>14/7/2012</a:t>
             </a:fld>
             <a:endParaRPr lang="pt-BR"/>
           </a:p>
@@ -7313,7 +7313,7 @@
               <a:pPr>
                 <a:defRPr/>
               </a:pPr>
-              <a:t>30/05/2012</a:t>
+              <a:t>14/7/2012</a:t>
             </a:fld>
             <a:endParaRPr lang="pt-BR"/>
           </a:p>
@@ -19812,7 +19812,7 @@
         <p:spPr>
           <a:xfrm>
             <a:off x="251520" y="274638"/>
-            <a:ext cx="8496944" cy="1143000"/>
+            <a:ext cx="8606760" cy="1143000"/>
           </a:xfrm>
         </p:spPr>
         <p:txBody>
@@ -19821,11 +19821,11 @@
           <a:p>
             <a:r>
               <a:rPr lang="pt-BR" sz="4400" dirty="0" smtClean="0"/>
-              <a:t>Exercício – Editor de </a:t>
-            </a:r>
-            <a:r>
-              <a:rPr lang="pt-BR" sz="4400" dirty="0" smtClean="0"/>
-              <a:t>Texto em Java</a:t>
+              <a:t>Exercício – </a:t>
+            </a:r>
+            <a:r>
+              <a:rPr lang="pt-BR" sz="4000" dirty="0" smtClean="0"/>
+              <a:t>Editor de Texto em Java</a:t>
             </a:r>
             <a:endParaRPr lang="pt-BR" sz="4400" dirty="0"/>
           </a:p>
@@ -19861,7 +19861,15 @@
             </a:r>
             <a:r>
               <a:rPr lang="pt-BR" dirty="0" smtClean="0"/>
-              <a:t> construída pelo Eclipse VE, implemente os comandos do itens “</a:t>
+              <a:t> construída pelo Eclipse VE, implemente os comandos </a:t>
+            </a:r>
+            <a:r>
+              <a:rPr lang="pt-BR" dirty="0" smtClean="0"/>
+              <a:t>dos </a:t>
+            </a:r>
+            <a:r>
+              <a:rPr lang="pt-BR" dirty="0" smtClean="0"/>
+              <a:t>itens “</a:t>
             </a:r>
             <a:r>
               <a:rPr lang="pt-BR" dirty="0" smtClean="0">
@@ -20181,11 +20189,7 @@
           <a:p>
             <a:r>
               <a:rPr lang="pt-BR" sz="4400" dirty="0" smtClean="0"/>
-              <a:t>Exercício </a:t>
-            </a:r>
-            <a:r>
-              <a:rPr lang="pt-BR" sz="4400" dirty="0" smtClean="0"/>
-              <a:t>(continuação)</a:t>
+              <a:t>Exercício (continuação)</a:t>
             </a:r>
             <a:endParaRPr lang="pt-BR" sz="4400" dirty="0"/>
           </a:p>
@@ -20229,7 +20233,6 @@
               <a:rPr lang="pt-BR" sz="2000" dirty="0" smtClean="0"/>
               <a:t>Limpa a caixa de texto</a:t>
             </a:r>
-            <a:endParaRPr lang="pt-BR" sz="2000" dirty="0" smtClean="0"/>
           </a:p>
         </p:txBody>
       </p:sp>
@@ -20316,11 +20319,7 @@
           <a:p>
             <a:r>
               <a:rPr lang="pt-BR" sz="4400" dirty="0" smtClean="0"/>
-              <a:t>Exercício </a:t>
-            </a:r>
-            <a:r>
-              <a:rPr lang="pt-BR" sz="4400" dirty="0" smtClean="0"/>
-              <a:t>(continuação)</a:t>
+              <a:t>Exercício (continuação)</a:t>
             </a:r>
             <a:endParaRPr lang="pt-BR" sz="4400" dirty="0"/>
           </a:p>
@@ -20435,7 +20434,6 @@
               <a:rPr lang="pt-BR" sz="2000" dirty="0" smtClean="0"/>
               <a:t>, significa que o usuário selecionou corretamente um arquivo.</a:t>
             </a:r>
-            <a:endParaRPr lang="pt-BR" sz="2000" dirty="0" smtClean="0"/>
           </a:p>
           <a:p>
             <a:pPr lvl="1" indent="-1588">
@@ -20594,11 +20592,7 @@
           <a:p>
             <a:r>
               <a:rPr lang="pt-BR" sz="4400" dirty="0" smtClean="0"/>
-              <a:t>Exercício </a:t>
-            </a:r>
-            <a:r>
-              <a:rPr lang="pt-BR" sz="4400" dirty="0" smtClean="0"/>
-              <a:t>(continuação)</a:t>
+              <a:t>Exercício (continuação)</a:t>
             </a:r>
             <a:endParaRPr lang="pt-BR" sz="4400" dirty="0"/>
           </a:p>
@@ -20644,15 +20638,7 @@
             </a:pPr>
             <a:r>
               <a:rPr lang="pt-BR" sz="2000" dirty="0" smtClean="0"/>
-              <a:t>Solicita que o usuário escolha </a:t>
-            </a:r>
-            <a:r>
-              <a:rPr lang="pt-BR" sz="2000" dirty="0" smtClean="0"/>
-              <a:t>arquivo existente ou digite o nome de um novo arquivo através </a:t>
-            </a:r>
-            <a:r>
-              <a:rPr lang="pt-BR" sz="2000" dirty="0" smtClean="0"/>
-              <a:t>do comando </a:t>
+              <a:t>Solicita que o usuário escolha arquivo existente ou digite o nome de um novo arquivo através do comando </a:t>
             </a:r>
             <a:r>
               <a:rPr lang="pt-BR" sz="2000" dirty="0" err="1" smtClean="0">
@@ -20719,13 +20705,8 @@
             </a:r>
             <a:r>
               <a:rPr lang="pt-BR" sz="2000" dirty="0" smtClean="0"/>
-              <a:t>, </a:t>
-            </a:r>
-            <a:r>
-              <a:rPr lang="pt-BR" sz="2000" dirty="0" smtClean="0"/>
-              <a:t>salve todo o conteúdo da caixa de texto no arquivo obtido pelo comando abaixo:</a:t>
-            </a:r>
-            <a:endParaRPr lang="pt-BR" sz="2000" dirty="0" smtClean="0"/>
+              <a:t>, salve todo o conteúdo da caixa de texto no arquivo obtido pelo comando abaixo:</a:t>
+            </a:r>
           </a:p>
           <a:p>
             <a:pPr marL="1588" lvl="1" indent="-1588" algn="ctr">
@@ -20740,7 +20721,15 @@
                   <a:srgbClr val="FFC000"/>
                 </a:solidFill>
               </a:rPr>
-              <a:t>File </a:t>
+              <a:t>File arquivo = </a:t>
+            </a:r>
+            <a:r>
+              <a:rPr lang="pt-BR" sz="2000" dirty="0" err="1" smtClean="0">
+                <a:solidFill>
+                  <a:srgbClr val="FFC000"/>
+                </a:solidFill>
+              </a:rPr>
+              <a:t>jfcArquivo</a:t>
             </a:r>
             <a:r>
               <a:rPr lang="pt-BR" sz="2000" dirty="0" smtClean="0">
@@ -20748,7 +20737,7 @@
                   <a:srgbClr val="FFC000"/>
                 </a:solidFill>
               </a:rPr>
-              <a:t>arquivo = </a:t>
+              <a:t>.</a:t>
             </a:r>
             <a:r>
               <a:rPr lang="pt-BR" sz="2000" dirty="0" err="1" smtClean="0">
@@ -20756,7 +20745,7 @@
                   <a:srgbClr val="FFC000"/>
                 </a:solidFill>
               </a:rPr>
-              <a:t>jfcArquivo</a:t>
+              <a:t>getSelectedFile</a:t>
             </a:r>
             <a:r>
               <a:rPr lang="pt-BR" sz="2000" dirty="0" smtClean="0">
@@ -20764,29 +20753,8 @@
                   <a:srgbClr val="FFC000"/>
                 </a:solidFill>
               </a:rPr>
-              <a:t>.</a:t>
-            </a:r>
-            <a:r>
-              <a:rPr lang="pt-BR" sz="2000" dirty="0" err="1" smtClean="0">
-                <a:solidFill>
-                  <a:srgbClr val="FFC000"/>
-                </a:solidFill>
-              </a:rPr>
-              <a:t>getSelectedFile</a:t>
-            </a:r>
-            <a:r>
-              <a:rPr lang="pt-BR" sz="2000" dirty="0" smtClean="0">
-                <a:solidFill>
-                  <a:srgbClr val="FFC000"/>
-                </a:solidFill>
-              </a:rPr>
               <a:t>();</a:t>
             </a:r>
-            <a:endParaRPr lang="pt-BR" sz="2000" dirty="0" smtClean="0">
-              <a:solidFill>
-                <a:srgbClr val="FFC000"/>
-              </a:solidFill>
-            </a:endParaRPr>
           </a:p>
         </p:txBody>
       </p:sp>
@@ -21012,11 +20980,7 @@
           <a:p>
             <a:r>
               <a:rPr lang="pt-BR" sz="4400" dirty="0" smtClean="0"/>
-              <a:t>Exercício </a:t>
-            </a:r>
-            <a:r>
-              <a:rPr lang="pt-BR" sz="4400" dirty="0" smtClean="0"/>
-              <a:t>(desafio 1)</a:t>
+              <a:t>Exercício (desafio 1)</a:t>
             </a:r>
             <a:endParaRPr lang="pt-BR" sz="4400" dirty="0"/>
           </a:p>
@@ -21201,11 +21165,7 @@
           <a:p>
             <a:r>
               <a:rPr lang="pt-BR" sz="4400" dirty="0" smtClean="0"/>
-              <a:t>Exercício </a:t>
-            </a:r>
-            <a:r>
-              <a:rPr lang="pt-BR" sz="4400" dirty="0" smtClean="0"/>
-              <a:t>(desafio 2)</a:t>
+              <a:t>Exercício (desafio 2)</a:t>
             </a:r>
             <a:endParaRPr lang="pt-BR" sz="4400" dirty="0"/>
           </a:p>

--- a/2-Java-Programmer-Modulo-II/18.Capitulo10.pptx
+++ b/2-Java-Programmer-Modulo-II/18.Capitulo10.pptx
@@ -283,7 +283,7 @@
               <a:pPr>
                 <a:defRPr/>
               </a:pPr>
-              <a:t>14/7/2012</a:t>
+              <a:t>30/05/2012</a:t>
             </a:fld>
             <a:endParaRPr lang="pt-BR"/>
           </a:p>
@@ -4221,7 +4221,7 @@
               <a:pPr>
                 <a:defRPr/>
               </a:pPr>
-              <a:t>14/7/2012</a:t>
+              <a:t>30/05/2012</a:t>
             </a:fld>
             <a:endParaRPr lang="pt-BR"/>
           </a:p>
@@ -4413,7 +4413,7 @@
               <a:pPr>
                 <a:defRPr/>
               </a:pPr>
-              <a:t>14/7/2012</a:t>
+              <a:t>30/05/2012</a:t>
             </a:fld>
             <a:endParaRPr lang="pt-BR"/>
           </a:p>
@@ -4615,7 +4615,7 @@
               <a:pPr>
                 <a:defRPr/>
               </a:pPr>
-              <a:t>14/7/2012</a:t>
+              <a:t>30/05/2012</a:t>
             </a:fld>
             <a:endParaRPr lang="pt-BR"/>
           </a:p>
@@ -4811,7 +4811,7 @@
               <a:pPr>
                 <a:defRPr/>
               </a:pPr>
-              <a:t>14/7/2012</a:t>
+              <a:t>30/05/2012</a:t>
             </a:fld>
             <a:endParaRPr lang="pt-BR"/>
           </a:p>
@@ -5317,7 +5317,7 @@
               <a:pPr>
                 <a:defRPr/>
               </a:pPr>
-              <a:t>14/7/2012</a:t>
+              <a:t>30/05/2012</a:t>
             </a:fld>
             <a:endParaRPr lang="pt-BR"/>
           </a:p>
@@ -5608,7 +5608,7 @@
               <a:pPr>
                 <a:defRPr/>
               </a:pPr>
-              <a:t>14/7/2012</a:t>
+              <a:t>30/05/2012</a:t>
             </a:fld>
             <a:endParaRPr lang="pt-BR"/>
           </a:p>
@@ -6009,7 +6009,7 @@
               <a:pPr>
                 <a:defRPr/>
               </a:pPr>
-              <a:t>14/7/2012</a:t>
+              <a:t>30/05/2012</a:t>
             </a:fld>
             <a:endParaRPr lang="pt-BR"/>
           </a:p>
@@ -6158,7 +6158,7 @@
               <a:pPr>
                 <a:defRPr/>
               </a:pPr>
-              <a:t>14/7/2012</a:t>
+              <a:t>30/05/2012</a:t>
             </a:fld>
             <a:endParaRPr lang="pt-BR"/>
           </a:p>
@@ -6275,7 +6275,7 @@
               <a:pPr>
                 <a:defRPr/>
               </a:pPr>
-              <a:t>14/7/2012</a:t>
+              <a:t>30/05/2012</a:t>
             </a:fld>
             <a:endParaRPr lang="pt-BR"/>
           </a:p>
@@ -6551,7 +6551,7 @@
               <a:pPr>
                 <a:defRPr/>
               </a:pPr>
-              <a:t>14/7/2012</a:t>
+              <a:t>30/05/2012</a:t>
             </a:fld>
             <a:endParaRPr lang="pt-BR"/>
           </a:p>
@@ -6835,7 +6835,7 @@
               <a:pPr>
                 <a:defRPr/>
               </a:pPr>
-              <a:t>14/7/2012</a:t>
+              <a:t>30/05/2012</a:t>
             </a:fld>
             <a:endParaRPr lang="pt-BR"/>
           </a:p>
@@ -7313,7 +7313,7 @@
               <a:pPr>
                 <a:defRPr/>
               </a:pPr>
-              <a:t>14/7/2012</a:t>
+              <a:t>30/05/2012</a:t>
             </a:fld>
             <a:endParaRPr lang="pt-BR"/>
           </a:p>
@@ -19812,7 +19812,7 @@
         <p:spPr>
           <a:xfrm>
             <a:off x="251520" y="274638"/>
-            <a:ext cx="8606760" cy="1143000"/>
+            <a:ext cx="8496944" cy="1143000"/>
           </a:xfrm>
         </p:spPr>
         <p:txBody>
@@ -19821,11 +19821,11 @@
           <a:p>
             <a:r>
               <a:rPr lang="pt-BR" sz="4400" dirty="0" smtClean="0"/>
-              <a:t>Exercício – </a:t>
-            </a:r>
-            <a:r>
-              <a:rPr lang="pt-BR" sz="4000" dirty="0" smtClean="0"/>
-              <a:t>Editor de Texto em Java</a:t>
+              <a:t>Exercício – Editor de </a:t>
+            </a:r>
+            <a:r>
+              <a:rPr lang="pt-BR" sz="4400" dirty="0" smtClean="0"/>
+              <a:t>Texto em Java</a:t>
             </a:r>
             <a:endParaRPr lang="pt-BR" sz="4400" dirty="0"/>
           </a:p>
@@ -19861,15 +19861,7 @@
             </a:r>
             <a:r>
               <a:rPr lang="pt-BR" dirty="0" smtClean="0"/>
-              <a:t> construída pelo Eclipse VE, implemente os comandos </a:t>
-            </a:r>
-            <a:r>
-              <a:rPr lang="pt-BR" dirty="0" smtClean="0"/>
-              <a:t>dos </a:t>
-            </a:r>
-            <a:r>
-              <a:rPr lang="pt-BR" dirty="0" smtClean="0"/>
-              <a:t>itens “</a:t>
+              <a:t> construída pelo Eclipse VE, implemente os comandos do itens “</a:t>
             </a:r>
             <a:r>
               <a:rPr lang="pt-BR" dirty="0" smtClean="0">
@@ -20189,7 +20181,11 @@
           <a:p>
             <a:r>
               <a:rPr lang="pt-BR" sz="4400" dirty="0" smtClean="0"/>
-              <a:t>Exercício (continuação)</a:t>
+              <a:t>Exercício </a:t>
+            </a:r>
+            <a:r>
+              <a:rPr lang="pt-BR" sz="4400" dirty="0" smtClean="0"/>
+              <a:t>(continuação)</a:t>
             </a:r>
             <a:endParaRPr lang="pt-BR" sz="4400" dirty="0"/>
           </a:p>
@@ -20233,6 +20229,7 @@
               <a:rPr lang="pt-BR" sz="2000" dirty="0" smtClean="0"/>
               <a:t>Limpa a caixa de texto</a:t>
             </a:r>
+            <a:endParaRPr lang="pt-BR" sz="2000" dirty="0" smtClean="0"/>
           </a:p>
         </p:txBody>
       </p:sp>
@@ -20319,7 +20316,11 @@
           <a:p>
             <a:r>
               <a:rPr lang="pt-BR" sz="4400" dirty="0" smtClean="0"/>
-              <a:t>Exercício (continuação)</a:t>
+              <a:t>Exercício </a:t>
+            </a:r>
+            <a:r>
+              <a:rPr lang="pt-BR" sz="4400" dirty="0" smtClean="0"/>
+              <a:t>(continuação)</a:t>
             </a:r>
             <a:endParaRPr lang="pt-BR" sz="4400" dirty="0"/>
           </a:p>
@@ -20434,6 +20435,7 @@
               <a:rPr lang="pt-BR" sz="2000" dirty="0" smtClean="0"/>
               <a:t>, significa que o usuário selecionou corretamente um arquivo.</a:t>
             </a:r>
+            <a:endParaRPr lang="pt-BR" sz="2000" dirty="0" smtClean="0"/>
           </a:p>
           <a:p>
             <a:pPr lvl="1" indent="-1588">
@@ -20592,7 +20594,11 @@
           <a:p>
             <a:r>
               <a:rPr lang="pt-BR" sz="4400" dirty="0" smtClean="0"/>
-              <a:t>Exercício (continuação)</a:t>
+              <a:t>Exercício </a:t>
+            </a:r>
+            <a:r>
+              <a:rPr lang="pt-BR" sz="4400" dirty="0" smtClean="0"/>
+              <a:t>(continuação)</a:t>
             </a:r>
             <a:endParaRPr lang="pt-BR" sz="4400" dirty="0"/>
           </a:p>
@@ -20638,7 +20644,15 @@
             </a:pPr>
             <a:r>
               <a:rPr lang="pt-BR" sz="2000" dirty="0" smtClean="0"/>
-              <a:t>Solicita que o usuário escolha arquivo existente ou digite o nome de um novo arquivo através do comando </a:t>
+              <a:t>Solicita que o usuário escolha </a:t>
+            </a:r>
+            <a:r>
+              <a:rPr lang="pt-BR" sz="2000" dirty="0" smtClean="0"/>
+              <a:t>arquivo existente ou digite o nome de um novo arquivo através </a:t>
+            </a:r>
+            <a:r>
+              <a:rPr lang="pt-BR" sz="2000" dirty="0" smtClean="0"/>
+              <a:t>do comando </a:t>
             </a:r>
             <a:r>
               <a:rPr lang="pt-BR" sz="2000" dirty="0" err="1" smtClean="0">
@@ -20705,8 +20719,13 @@
             </a:r>
             <a:r>
               <a:rPr lang="pt-BR" sz="2000" dirty="0" smtClean="0"/>
-              <a:t>, salve todo o conteúdo da caixa de texto no arquivo obtido pelo comando abaixo:</a:t>
-            </a:r>
+              <a:t>, </a:t>
+            </a:r>
+            <a:r>
+              <a:rPr lang="pt-BR" sz="2000" dirty="0" smtClean="0"/>
+              <a:t>salve todo o conteúdo da caixa de texto no arquivo obtido pelo comando abaixo:</a:t>
+            </a:r>
+            <a:endParaRPr lang="pt-BR" sz="2000" dirty="0" smtClean="0"/>
           </a:p>
           <a:p>
             <a:pPr marL="1588" lvl="1" indent="-1588" algn="ctr">
@@ -20721,7 +20740,15 @@
                   <a:srgbClr val="FFC000"/>
                 </a:solidFill>
               </a:rPr>
-              <a:t>File arquivo = </a:t>
+              <a:t>File </a:t>
+            </a:r>
+            <a:r>
+              <a:rPr lang="pt-BR" sz="2000" dirty="0" smtClean="0">
+                <a:solidFill>
+                  <a:srgbClr val="FFC000"/>
+                </a:solidFill>
+              </a:rPr>
+              <a:t>arquivo = </a:t>
             </a:r>
             <a:r>
               <a:rPr lang="pt-BR" sz="2000" dirty="0" err="1" smtClean="0">
@@ -20755,6 +20782,11 @@
               </a:rPr>
               <a:t>();</a:t>
             </a:r>
+            <a:endParaRPr lang="pt-BR" sz="2000" dirty="0" smtClean="0">
+              <a:solidFill>
+                <a:srgbClr val="FFC000"/>
+              </a:solidFill>
+            </a:endParaRPr>
           </a:p>
         </p:txBody>
       </p:sp>
@@ -20980,7 +21012,11 @@
           <a:p>
             <a:r>
               <a:rPr lang="pt-BR" sz="4400" dirty="0" smtClean="0"/>
-              <a:t>Exercício (desafio 1)</a:t>
+              <a:t>Exercício </a:t>
+            </a:r>
+            <a:r>
+              <a:rPr lang="pt-BR" sz="4400" dirty="0" smtClean="0"/>
+              <a:t>(desafio 1)</a:t>
             </a:r>
             <a:endParaRPr lang="pt-BR" sz="4400" dirty="0"/>
           </a:p>
@@ -21165,7 +21201,11 @@
           <a:p>
             <a:r>
               <a:rPr lang="pt-BR" sz="4400" dirty="0" smtClean="0"/>
-              <a:t>Exercício (desafio 2)</a:t>
+              <a:t>Exercício </a:t>
+            </a:r>
+            <a:r>
+              <a:rPr lang="pt-BR" sz="4400" dirty="0" smtClean="0"/>
+              <a:t>(desafio 2)</a:t>
             </a:r>
             <a:endParaRPr lang="pt-BR" sz="4400" dirty="0"/>
           </a:p>

--- a/2-Java-Programmer-Modulo-II/18.Capitulo10.pptx
+++ b/2-Java-Programmer-Modulo-II/18.Capitulo10.pptx
@@ -283,7 +283,7 @@
               <a:pPr>
                 <a:defRPr/>
               </a:pPr>
-              <a:t>30/05/2012</a:t>
+              <a:t>24/09/2012</a:t>
             </a:fld>
             <a:endParaRPr lang="pt-BR"/>
           </a:p>
@@ -471,7 +471,7 @@
               <a:pPr>
                 <a:defRPr/>
               </a:pPr>
-              <a:t>‹nº›</a:t>
+              <a:t>‹#›</a:t>
             </a:fld>
             <a:endParaRPr lang="pt-BR"/>
           </a:p>
@@ -4221,7 +4221,7 @@
               <a:pPr>
                 <a:defRPr/>
               </a:pPr>
-              <a:t>30/05/2012</a:t>
+              <a:t>24/09/2012</a:t>
             </a:fld>
             <a:endParaRPr lang="pt-BR"/>
           </a:p>
@@ -4280,7 +4280,7 @@
               <a:pPr>
                 <a:defRPr/>
               </a:pPr>
-              <a:t>‹nº›</a:t>
+              <a:t>‹#›</a:t>
             </a:fld>
             <a:endParaRPr lang="pt-BR"/>
           </a:p>
@@ -4413,7 +4413,7 @@
               <a:pPr>
                 <a:defRPr/>
               </a:pPr>
-              <a:t>30/05/2012</a:t>
+              <a:t>24/09/2012</a:t>
             </a:fld>
             <a:endParaRPr lang="pt-BR"/>
           </a:p>
@@ -4472,7 +4472,7 @@
               <a:pPr>
                 <a:defRPr/>
               </a:pPr>
-              <a:t>‹nº›</a:t>
+              <a:t>‹#›</a:t>
             </a:fld>
             <a:endParaRPr lang="pt-BR"/>
           </a:p>
@@ -4615,7 +4615,7 @@
               <a:pPr>
                 <a:defRPr/>
               </a:pPr>
-              <a:t>30/05/2012</a:t>
+              <a:t>24/09/2012</a:t>
             </a:fld>
             <a:endParaRPr lang="pt-BR"/>
           </a:p>
@@ -4674,7 +4674,7 @@
               <a:pPr>
                 <a:defRPr/>
               </a:pPr>
-              <a:t>‹nº›</a:t>
+              <a:t>‹#›</a:t>
             </a:fld>
             <a:endParaRPr lang="pt-BR"/>
           </a:p>
@@ -4811,7 +4811,7 @@
               <a:pPr>
                 <a:defRPr/>
               </a:pPr>
-              <a:t>30/05/2012</a:t>
+              <a:t>24/09/2012</a:t>
             </a:fld>
             <a:endParaRPr lang="pt-BR"/>
           </a:p>
@@ -4870,7 +4870,7 @@
               <a:pPr>
                 <a:defRPr/>
               </a:pPr>
-              <a:t>‹nº›</a:t>
+              <a:t>‹#›</a:t>
             </a:fld>
             <a:endParaRPr lang="pt-BR"/>
           </a:p>
@@ -5317,7 +5317,7 @@
               <a:pPr>
                 <a:defRPr/>
               </a:pPr>
-              <a:t>30/05/2012</a:t>
+              <a:t>24/09/2012</a:t>
             </a:fld>
             <a:endParaRPr lang="pt-BR"/>
           </a:p>
@@ -5376,7 +5376,7 @@
               <a:pPr>
                 <a:defRPr/>
               </a:pPr>
-              <a:t>‹nº›</a:t>
+              <a:t>‹#›</a:t>
             </a:fld>
             <a:endParaRPr lang="pt-BR"/>
           </a:p>
@@ -5608,7 +5608,7 @@
               <a:pPr>
                 <a:defRPr/>
               </a:pPr>
-              <a:t>30/05/2012</a:t>
+              <a:t>24/09/2012</a:t>
             </a:fld>
             <a:endParaRPr lang="pt-BR"/>
           </a:p>
@@ -5667,7 +5667,7 @@
               <a:pPr>
                 <a:defRPr/>
               </a:pPr>
-              <a:t>‹nº›</a:t>
+              <a:t>‹#›</a:t>
             </a:fld>
             <a:endParaRPr lang="pt-BR"/>
           </a:p>
@@ -6009,7 +6009,7 @@
               <a:pPr>
                 <a:defRPr/>
               </a:pPr>
-              <a:t>30/05/2012</a:t>
+              <a:t>24/09/2012</a:t>
             </a:fld>
             <a:endParaRPr lang="pt-BR"/>
           </a:p>
@@ -6068,7 +6068,7 @@
               <a:pPr>
                 <a:defRPr/>
               </a:pPr>
-              <a:t>‹nº›</a:t>
+              <a:t>‹#›</a:t>
             </a:fld>
             <a:endParaRPr lang="pt-BR"/>
           </a:p>
@@ -6158,7 +6158,7 @@
               <a:pPr>
                 <a:defRPr/>
               </a:pPr>
-              <a:t>30/05/2012</a:t>
+              <a:t>24/09/2012</a:t>
             </a:fld>
             <a:endParaRPr lang="pt-BR"/>
           </a:p>
@@ -6217,7 +6217,7 @@
               <a:pPr>
                 <a:defRPr/>
               </a:pPr>
-              <a:t>‹nº›</a:t>
+              <a:t>‹#›</a:t>
             </a:fld>
             <a:endParaRPr lang="pt-BR"/>
           </a:p>
@@ -6275,7 +6275,7 @@
               <a:pPr>
                 <a:defRPr/>
               </a:pPr>
-              <a:t>30/05/2012</a:t>
+              <a:t>24/09/2012</a:t>
             </a:fld>
             <a:endParaRPr lang="pt-BR"/>
           </a:p>
@@ -6334,7 +6334,7 @@
               <a:pPr>
                 <a:defRPr/>
               </a:pPr>
-              <a:t>‹nº›</a:t>
+              <a:t>‹#›</a:t>
             </a:fld>
             <a:endParaRPr lang="pt-BR"/>
           </a:p>
@@ -6551,7 +6551,7 @@
               <a:pPr>
                 <a:defRPr/>
               </a:pPr>
-              <a:t>30/05/2012</a:t>
+              <a:t>24/09/2012</a:t>
             </a:fld>
             <a:endParaRPr lang="pt-BR"/>
           </a:p>
@@ -6615,7 +6615,7 @@
               <a:pPr>
                 <a:defRPr/>
               </a:pPr>
-              <a:t>‹nº›</a:t>
+              <a:t>‹#›</a:t>
             </a:fld>
             <a:endParaRPr lang="pt-BR"/>
           </a:p>
@@ -6835,7 +6835,7 @@
               <a:pPr>
                 <a:defRPr/>
               </a:pPr>
-              <a:t>30/05/2012</a:t>
+              <a:t>24/09/2012</a:t>
             </a:fld>
             <a:endParaRPr lang="pt-BR"/>
           </a:p>
@@ -6894,7 +6894,7 @@
               <a:pPr>
                 <a:defRPr/>
               </a:pPr>
-              <a:t>‹nº›</a:t>
+              <a:t>‹#›</a:t>
             </a:fld>
             <a:endParaRPr lang="pt-BR"/>
           </a:p>
@@ -7313,7 +7313,7 @@
               <a:pPr>
                 <a:defRPr/>
               </a:pPr>
-              <a:t>30/05/2012</a:t>
+              <a:t>24/09/2012</a:t>
             </a:fld>
             <a:endParaRPr lang="pt-BR"/>
           </a:p>
@@ -7416,7 +7416,7 @@
               <a:pPr>
                 <a:defRPr/>
               </a:pPr>
-              <a:t>‹nº›</a:t>
+              <a:t>‹#›</a:t>
             </a:fld>
             <a:endParaRPr lang="pt-BR"/>
           </a:p>
@@ -8383,10 +8383,10 @@
         </p:nvGrpSpPr>
         <p:grpSpPr>
           <a:xfrm>
-            <a:off x="755576" y="5229200"/>
-            <a:ext cx="7128793" cy="936104"/>
-            <a:chOff x="755576" y="5229200"/>
-            <a:chExt cx="7128793" cy="936104"/>
+            <a:off x="755576" y="5675650"/>
+            <a:ext cx="7128793" cy="489654"/>
+            <a:chOff x="755576" y="5675650"/>
+            <a:chExt cx="7128793" cy="489654"/>
           </a:xfrm>
         </p:grpSpPr>
         <p:sp>
@@ -9203,53 +9203,53 @@
             </a:p>
           </p:txBody>
         </p:sp>
-        <p:sp>
-          <p:nvSpPr>
-            <p:cNvPr id="62" name="Seta para baixo 61"/>
-            <p:cNvSpPr/>
-            <p:nvPr/>
-          </p:nvSpPr>
-          <p:spPr>
-            <a:xfrm>
-              <a:off x="2627784" y="5229200"/>
-              <a:ext cx="244152" cy="360040"/>
-            </a:xfrm>
-            <a:prstGeom prst="downArrow">
-              <a:avLst/>
-            </a:prstGeom>
-            <a:solidFill>
-              <a:schemeClr val="tx1"/>
-            </a:solidFill>
-            <a:ln>
-              <a:noFill/>
-            </a:ln>
-          </p:spPr>
-          <p:style>
-            <a:lnRef idx="2">
-              <a:schemeClr val="accent1">
-                <a:shade val="50000"/>
-              </a:schemeClr>
-            </a:lnRef>
-            <a:fillRef idx="1">
-              <a:schemeClr val="accent1"/>
-            </a:fillRef>
-            <a:effectRef idx="0">
-              <a:schemeClr val="accent1"/>
-            </a:effectRef>
-            <a:fontRef idx="minor">
-              <a:schemeClr val="lt1"/>
-            </a:fontRef>
-          </p:style>
-          <p:txBody>
-            <a:bodyPr rtlCol="0" anchor="ctr"/>
-            <a:lstStyle/>
-            <a:p>
-              <a:pPr algn="ctr"/>
-              <a:endParaRPr lang="pt-BR"/>
-            </a:p>
-          </p:txBody>
-        </p:sp>
       </p:grpSp>
+      <p:sp>
+        <p:nvSpPr>
+          <p:cNvPr id="23" name="Seta para baixo 22"/>
+          <p:cNvSpPr/>
+          <p:nvPr/>
+        </p:nvSpPr>
+        <p:spPr>
+          <a:xfrm>
+            <a:off x="868257" y="5229200"/>
+            <a:ext cx="244152" cy="360040"/>
+          </a:xfrm>
+          <a:prstGeom prst="downArrow">
+            <a:avLst/>
+          </a:prstGeom>
+          <a:solidFill>
+            <a:schemeClr val="tx1"/>
+          </a:solidFill>
+          <a:ln>
+            <a:noFill/>
+          </a:ln>
+        </p:spPr>
+        <p:style>
+          <a:lnRef idx="2">
+            <a:schemeClr val="accent1">
+              <a:shade val="50000"/>
+            </a:schemeClr>
+          </a:lnRef>
+          <a:fillRef idx="1">
+            <a:schemeClr val="accent1"/>
+          </a:fillRef>
+          <a:effectRef idx="0">
+            <a:schemeClr val="accent1"/>
+          </a:effectRef>
+          <a:fontRef idx="minor">
+            <a:schemeClr val="lt1"/>
+          </a:fontRef>
+        </p:style>
+        <p:txBody>
+          <a:bodyPr rtlCol="0" anchor="ctr"/>
+          <a:lstStyle/>
+          <a:p>
+            <a:pPr algn="ctr"/>
+            <a:endParaRPr lang="pt-BR"/>
+          </a:p>
+        </p:txBody>
+      </p:sp>
     </p:spTree>
   </p:cSld>
   <p:clrMapOvr>
@@ -9360,6 +9360,152 @@
                                   </p:childTnLst>
                                 </p:cTn>
                               </p:par>
+                              <p:par>
+                                <p:cTn id="9" presetID="2" presetClass="entr" presetSubtype="4" fill="hold" grpId="0" nodeType="withEffect">
+                                  <p:stCondLst>
+                                    <p:cond delay="0"/>
+                                  </p:stCondLst>
+                                  <p:childTnLst>
+                                    <p:set>
+                                      <p:cBhvr>
+                                        <p:cTn id="10" dur="1" fill="hold">
+                                          <p:stCondLst>
+                                            <p:cond delay="0"/>
+                                          </p:stCondLst>
+                                        </p:cTn>
+                                        <p:tgtEl>
+                                          <p:spTgt spid="23"/>
+                                        </p:tgtEl>
+                                        <p:attrNameLst>
+                                          <p:attrName>style.visibility</p:attrName>
+                                        </p:attrNameLst>
+                                      </p:cBhvr>
+                                      <p:to>
+                                        <p:strVal val="visible"/>
+                                      </p:to>
+                                    </p:set>
+                                    <p:anim calcmode="lin" valueType="num">
+                                      <p:cBhvr additive="base">
+                                        <p:cTn id="11" dur="500" fill="hold"/>
+                                        <p:tgtEl>
+                                          <p:spTgt spid="23"/>
+                                        </p:tgtEl>
+                                        <p:attrNameLst>
+                                          <p:attrName>ppt_x</p:attrName>
+                                        </p:attrNameLst>
+                                      </p:cBhvr>
+                                      <p:tavLst>
+                                        <p:tav tm="0">
+                                          <p:val>
+                                            <p:strVal val="#ppt_x"/>
+                                          </p:val>
+                                        </p:tav>
+                                        <p:tav tm="100000">
+                                          <p:val>
+                                            <p:strVal val="#ppt_x"/>
+                                          </p:val>
+                                        </p:tav>
+                                      </p:tavLst>
+                                    </p:anim>
+                                    <p:anim calcmode="lin" valueType="num">
+                                      <p:cBhvr additive="base">
+                                        <p:cTn id="12" dur="500" fill="hold"/>
+                                        <p:tgtEl>
+                                          <p:spTgt spid="23"/>
+                                        </p:tgtEl>
+                                        <p:attrNameLst>
+                                          <p:attrName>ppt_y</p:attrName>
+                                        </p:attrNameLst>
+                                      </p:cBhvr>
+                                      <p:tavLst>
+                                        <p:tav tm="0">
+                                          <p:val>
+                                            <p:strVal val="1+#ppt_h/2"/>
+                                          </p:val>
+                                        </p:tav>
+                                        <p:tav tm="100000">
+                                          <p:val>
+                                            <p:strVal val="#ppt_y"/>
+                                          </p:val>
+                                        </p:tav>
+                                      </p:tavLst>
+                                    </p:anim>
+                                  </p:childTnLst>
+                                </p:cTn>
+                              </p:par>
+                              <p:par>
+                                <p:cTn id="13" presetID="2" presetClass="entr" presetSubtype="4" fill="hold" nodeType="withEffect">
+                                  <p:stCondLst>
+                                    <p:cond delay="0"/>
+                                  </p:stCondLst>
+                                  <p:childTnLst>
+                                    <p:set>
+                                      <p:cBhvr>
+                                        <p:cTn id="14" dur="1" fill="hold">
+                                          <p:stCondLst>
+                                            <p:cond delay="0"/>
+                                          </p:stCondLst>
+                                        </p:cTn>
+                                        <p:tgtEl>
+                                          <p:spTgt spid="44"/>
+                                        </p:tgtEl>
+                                        <p:attrNameLst>
+                                          <p:attrName>style.visibility</p:attrName>
+                                        </p:attrNameLst>
+                                      </p:cBhvr>
+                                      <p:to>
+                                        <p:strVal val="visible"/>
+                                      </p:to>
+                                    </p:set>
+                                    <p:anim calcmode="lin" valueType="num">
+                                      <p:cBhvr additive="base">
+                                        <p:cTn id="15" dur="500" fill="hold"/>
+                                        <p:tgtEl>
+                                          <p:spTgt spid="44"/>
+                                        </p:tgtEl>
+                                        <p:attrNameLst>
+                                          <p:attrName>ppt_x</p:attrName>
+                                        </p:attrNameLst>
+                                      </p:cBhvr>
+                                      <p:tavLst>
+                                        <p:tav tm="0">
+                                          <p:val>
+                                            <p:strVal val="#ppt_x"/>
+                                          </p:val>
+                                        </p:tav>
+                                        <p:tav tm="100000">
+                                          <p:val>
+                                            <p:strVal val="#ppt_x"/>
+                                          </p:val>
+                                        </p:tav>
+                                      </p:tavLst>
+                                    </p:anim>
+                                    <p:anim calcmode="lin" valueType="num">
+                                      <p:cBhvr additive="base">
+                                        <p:cTn id="16" dur="500" fill="hold"/>
+                                        <p:tgtEl>
+                                          <p:spTgt spid="44"/>
+                                        </p:tgtEl>
+                                        <p:attrNameLst>
+                                          <p:attrName>ppt_y</p:attrName>
+                                        </p:attrNameLst>
+                                      </p:cBhvr>
+                                      <p:tavLst>
+                                        <p:tav tm="0">
+                                          <p:val>
+                                            <p:strVal val="1+#ppt_h/2"/>
+                                          </p:val>
+                                        </p:tav>
+                                        <p:tav tm="100000">
+                                          <p:val>
+                                            <p:strVal val="#ppt_y"/>
+                                          </p:val>
+                                        </p:tav>
+                                      </p:tavLst>
+                                    </p:anim>
+                                  </p:childTnLst>
+                                </p:cTn>
+                              </p:par>
                             </p:childTnLst>
                           </p:cTn>
                         </p:par>
@@ -9367,26 +9513,26 @@
                     </p:cTn>
                   </p:par>
                   <p:par>
-                    <p:cTn id="9" fill="hold">
+                    <p:cTn id="17" fill="hold">
                       <p:stCondLst>
                         <p:cond delay="indefinite"/>
                       </p:stCondLst>
                       <p:childTnLst>
                         <p:par>
-                          <p:cTn id="10" fill="hold">
+                          <p:cTn id="18" fill="hold">
                             <p:stCondLst>
                               <p:cond delay="0"/>
                             </p:stCondLst>
                             <p:childTnLst>
                               <p:par>
-                                <p:cTn id="11" presetID="2" presetClass="entr" presetSubtype="4" fill="hold" nodeType="clickEffect">
+                                <p:cTn id="19" presetID="2" presetClass="entr" presetSubtype="4" fill="hold" nodeType="clickEffect">
                                   <p:stCondLst>
                                     <p:cond delay="0"/>
                                   </p:stCondLst>
                                   <p:childTnLst>
                                     <p:set>
                                       <p:cBhvr>
-                                        <p:cTn id="12" dur="1" fill="hold">
+                                        <p:cTn id="20" dur="1" fill="hold">
                                           <p:stCondLst>
                                             <p:cond delay="0"/>
                                           </p:stCondLst>
@@ -9408,7 +9554,7 @@
                                     </p:set>
                                     <p:anim calcmode="lin" valueType="num">
                                       <p:cBhvr additive="base">
-                                        <p:cTn id="13" dur="500" fill="hold"/>
+                                        <p:cTn id="21" dur="500" fill="hold"/>
                                         <p:tgtEl>
                                           <p:spTgt spid="7">
                                             <p:txEl>
@@ -9435,7 +9581,7 @@
                                     </p:anim>
                                     <p:anim calcmode="lin" valueType="num">
                                       <p:cBhvr additive="base">
-                                        <p:cTn id="14" dur="500" fill="hold"/>
+                                        <p:cTn id="22" dur="500" fill="hold"/>
                                         <p:tgtEl>
                                           <p:spTgt spid="7">
                                             <p:txEl>
@@ -9470,26 +9616,26 @@
                     </p:cTn>
                   </p:par>
                   <p:par>
-                    <p:cTn id="15" fill="hold">
+                    <p:cTn id="23" fill="hold">
                       <p:stCondLst>
                         <p:cond delay="indefinite"/>
                       </p:stCondLst>
                       <p:childTnLst>
                         <p:par>
-                          <p:cTn id="16" fill="hold">
+                          <p:cTn id="24" fill="hold">
                             <p:stCondLst>
                               <p:cond delay="0"/>
                             </p:stCondLst>
                             <p:childTnLst>
                               <p:par>
-                                <p:cTn id="17" presetID="2" presetClass="entr" presetSubtype="4" fill="hold" nodeType="clickEffect">
+                                <p:cTn id="25" presetID="2" presetClass="entr" presetSubtype="4" fill="hold" nodeType="clickEffect">
                                   <p:stCondLst>
                                     <p:cond delay="0"/>
                                   </p:stCondLst>
                                   <p:childTnLst>
                                     <p:set>
                                       <p:cBhvr>
-                                        <p:cTn id="18" dur="1" fill="hold">
+                                        <p:cTn id="26" dur="1" fill="hold">
                                           <p:stCondLst>
                                             <p:cond delay="0"/>
                                           </p:stCondLst>
@@ -9511,7 +9657,7 @@
                                     </p:set>
                                     <p:anim calcmode="lin" valueType="num">
                                       <p:cBhvr additive="base">
-                                        <p:cTn id="19" dur="500" fill="hold"/>
+                                        <p:cTn id="27" dur="500" fill="hold"/>
                                         <p:tgtEl>
                                           <p:spTgt spid="7">
                                             <p:txEl>
@@ -9538,181 +9684,11 @@
                                     </p:anim>
                                     <p:anim calcmode="lin" valueType="num">
                                       <p:cBhvr additive="base">
-                                        <p:cTn id="20" dur="500" fill="hold"/>
+                                        <p:cTn id="28" dur="500" fill="hold"/>
                                         <p:tgtEl>
                                           <p:spTgt spid="7">
                                             <p:txEl>
                                               <p:pRg st="3" end="3"/>
-                                            </p:txEl>
-                                          </p:spTgt>
-                                        </p:tgtEl>
-                                        <p:attrNameLst>
-                                          <p:attrName>ppt_y</p:attrName>
-                                        </p:attrNameLst>
-                                      </p:cBhvr>
-                                      <p:tavLst>
-                                        <p:tav tm="0">
-                                          <p:val>
-                                            <p:strVal val="1+#ppt_h/2"/>
-                                          </p:val>
-                                        </p:tav>
-                                        <p:tav tm="100000">
-                                          <p:val>
-                                            <p:strVal val="#ppt_y"/>
-                                          </p:val>
-                                        </p:tav>
-                                      </p:tavLst>
-                                    </p:anim>
-                                  </p:childTnLst>
-                                </p:cTn>
-                              </p:par>
-                              <p:par>
-                                <p:cTn id="21" presetID="2" presetClass="entr" presetSubtype="4" fill="hold" nodeType="withEffect">
-                                  <p:stCondLst>
-                                    <p:cond delay="0"/>
-                                  </p:stCondLst>
-                                  <p:childTnLst>
-                                    <p:set>
-                                      <p:cBhvr>
-                                        <p:cTn id="22" dur="1" fill="hold">
-                                          <p:stCondLst>
-                                            <p:cond delay="0"/>
-                                          </p:stCondLst>
-                                        </p:cTn>
-                                        <p:tgtEl>
-                                          <p:spTgt spid="7">
-                                            <p:txEl>
-                                              <p:pRg st="4" end="4"/>
-                                            </p:txEl>
-                                          </p:spTgt>
-                                        </p:tgtEl>
-                                        <p:attrNameLst>
-                                          <p:attrName>style.visibility</p:attrName>
-                                        </p:attrNameLst>
-                                      </p:cBhvr>
-                                      <p:to>
-                                        <p:strVal val="visible"/>
-                                      </p:to>
-                                    </p:set>
-                                    <p:anim calcmode="lin" valueType="num">
-                                      <p:cBhvr additive="base">
-                                        <p:cTn id="23" dur="500" fill="hold"/>
-                                        <p:tgtEl>
-                                          <p:spTgt spid="7">
-                                            <p:txEl>
-                                              <p:pRg st="4" end="4"/>
-                                            </p:txEl>
-                                          </p:spTgt>
-                                        </p:tgtEl>
-                                        <p:attrNameLst>
-                                          <p:attrName>ppt_x</p:attrName>
-                                        </p:attrNameLst>
-                                      </p:cBhvr>
-                                      <p:tavLst>
-                                        <p:tav tm="0">
-                                          <p:val>
-                                            <p:strVal val="#ppt_x"/>
-                                          </p:val>
-                                        </p:tav>
-                                        <p:tav tm="100000">
-                                          <p:val>
-                                            <p:strVal val="#ppt_x"/>
-                                          </p:val>
-                                        </p:tav>
-                                      </p:tavLst>
-                                    </p:anim>
-                                    <p:anim calcmode="lin" valueType="num">
-                                      <p:cBhvr additive="base">
-                                        <p:cTn id="24" dur="500" fill="hold"/>
-                                        <p:tgtEl>
-                                          <p:spTgt spid="7">
-                                            <p:txEl>
-                                              <p:pRg st="4" end="4"/>
-                                            </p:txEl>
-                                          </p:spTgt>
-                                        </p:tgtEl>
-                                        <p:attrNameLst>
-                                          <p:attrName>ppt_y</p:attrName>
-                                        </p:attrNameLst>
-                                      </p:cBhvr>
-                                      <p:tavLst>
-                                        <p:tav tm="0">
-                                          <p:val>
-                                            <p:strVal val="1+#ppt_h/2"/>
-                                          </p:val>
-                                        </p:tav>
-                                        <p:tav tm="100000">
-                                          <p:val>
-                                            <p:strVal val="#ppt_y"/>
-                                          </p:val>
-                                        </p:tav>
-                                      </p:tavLst>
-                                    </p:anim>
-                                  </p:childTnLst>
-                                </p:cTn>
-                              </p:par>
-                              <p:par>
-                                <p:cTn id="25" presetID="2" presetClass="entr" presetSubtype="4" fill="hold" nodeType="withEffect">
-                                  <p:stCondLst>
-                                    <p:cond delay="0"/>
-                                  </p:stCondLst>
-                                  <p:childTnLst>
-                                    <p:set>
-                                      <p:cBhvr>
-                                        <p:cTn id="26" dur="1" fill="hold">
-                                          <p:stCondLst>
-                                            <p:cond delay="0"/>
-                                          </p:stCondLst>
-                                        </p:cTn>
-                                        <p:tgtEl>
-                                          <p:spTgt spid="7">
-                                            <p:txEl>
-                                              <p:pRg st="5" end="5"/>
-                                            </p:txEl>
-                                          </p:spTgt>
-                                        </p:tgtEl>
-                                        <p:attrNameLst>
-                                          <p:attrName>style.visibility</p:attrName>
-                                        </p:attrNameLst>
-                                      </p:cBhvr>
-                                      <p:to>
-                                        <p:strVal val="visible"/>
-                                      </p:to>
-                                    </p:set>
-                                    <p:anim calcmode="lin" valueType="num">
-                                      <p:cBhvr additive="base">
-                                        <p:cTn id="27" dur="500" fill="hold"/>
-                                        <p:tgtEl>
-                                          <p:spTgt spid="7">
-                                            <p:txEl>
-                                              <p:pRg st="5" end="5"/>
-                                            </p:txEl>
-                                          </p:spTgt>
-                                        </p:tgtEl>
-                                        <p:attrNameLst>
-                                          <p:attrName>ppt_x</p:attrName>
-                                        </p:attrNameLst>
-                                      </p:cBhvr>
-                                      <p:tavLst>
-                                        <p:tav tm="0">
-                                          <p:val>
-                                            <p:strVal val="#ppt_x"/>
-                                          </p:val>
-                                        </p:tav>
-                                        <p:tav tm="100000">
-                                          <p:val>
-                                            <p:strVal val="#ppt_x"/>
-                                          </p:val>
-                                        </p:tav>
-                                      </p:tavLst>
-                                    </p:anim>
-                                    <p:anim calcmode="lin" valueType="num">
-                                      <p:cBhvr additive="base">
-                                        <p:cTn id="28" dur="500" fill="hold"/>
-                                        <p:tgtEl>
-                                          <p:spTgt spid="7">
-                                            <p:txEl>
-                                              <p:pRg st="5" end="5"/>
                                             </p:txEl>
                                           </p:spTgt>
                                         </p:tgtEl>
@@ -9752,7 +9728,7 @@
                                         <p:tgtEl>
                                           <p:spTgt spid="7">
                                             <p:txEl>
-                                              <p:pRg st="7" end="7"/>
+                                              <p:pRg st="4" end="4"/>
                                             </p:txEl>
                                           </p:spTgt>
                                         </p:tgtEl>
@@ -9770,7 +9746,7 @@
                                         <p:tgtEl>
                                           <p:spTgt spid="7">
                                             <p:txEl>
-                                              <p:pRg st="7" end="7"/>
+                                              <p:pRg st="4" end="4"/>
                                             </p:txEl>
                                           </p:spTgt>
                                         </p:tgtEl>
@@ -9797,7 +9773,132 @@
                                         <p:tgtEl>
                                           <p:spTgt spid="7">
                                             <p:txEl>
-                                              <p:pRg st="7" end="7"/>
+                                              <p:pRg st="4" end="4"/>
+                                            </p:txEl>
+                                          </p:spTgt>
+                                        </p:tgtEl>
+                                        <p:attrNameLst>
+                                          <p:attrName>ppt_y</p:attrName>
+                                        </p:attrNameLst>
+                                      </p:cBhvr>
+                                      <p:tavLst>
+                                        <p:tav tm="0">
+                                          <p:val>
+                                            <p:strVal val="1+#ppt_h/2"/>
+                                          </p:val>
+                                        </p:tav>
+                                        <p:tav tm="100000">
+                                          <p:val>
+                                            <p:strVal val="#ppt_y"/>
+                                          </p:val>
+                                        </p:tav>
+                                      </p:tavLst>
+                                    </p:anim>
+                                  </p:childTnLst>
+                                </p:cTn>
+                              </p:par>
+                              <p:par>
+                                <p:cTn id="33" presetID="63" presetClass="path" presetSubtype="0" accel="50000" decel="50000" fill="hold" grpId="1" nodeType="withEffect">
+                                  <p:stCondLst>
+                                    <p:cond delay="0"/>
+                                  </p:stCondLst>
+                                  <p:childTnLst>
+                                    <p:animMotion origin="layout" path="M -3.33333E-6 2.59259E-6 L 0.19098 2.59259E-6 " pathEditMode="relative" rAng="0" ptsTypes="AA">
+                                      <p:cBhvr>
+                                        <p:cTn id="34" dur="2000" fill="hold"/>
+                                        <p:tgtEl>
+                                          <p:spTgt spid="23"/>
+                                        </p:tgtEl>
+                                        <p:attrNameLst>
+                                          <p:attrName>ppt_x</p:attrName>
+                                          <p:attrName>ppt_y</p:attrName>
+                                        </p:attrNameLst>
+                                      </p:cBhvr>
+                                      <p:rCtr x="95" y="0"/>
+                                    </p:animMotion>
+                                  </p:childTnLst>
+                                </p:cTn>
+                              </p:par>
+                            </p:childTnLst>
+                          </p:cTn>
+                        </p:par>
+                      </p:childTnLst>
+                    </p:cTn>
+                  </p:par>
+                  <p:par>
+                    <p:cTn id="35" fill="hold">
+                      <p:stCondLst>
+                        <p:cond delay="indefinite"/>
+                      </p:stCondLst>
+                      <p:childTnLst>
+                        <p:par>
+                          <p:cTn id="36" fill="hold">
+                            <p:stCondLst>
+                              <p:cond delay="0"/>
+                            </p:stCondLst>
+                            <p:childTnLst>
+                              <p:par>
+                                <p:cTn id="37" presetID="2" presetClass="entr" presetSubtype="4" fill="hold" nodeType="clickEffect">
+                                  <p:stCondLst>
+                                    <p:cond delay="0"/>
+                                  </p:stCondLst>
+                                  <p:childTnLst>
+                                    <p:set>
+                                      <p:cBhvr>
+                                        <p:cTn id="38" dur="1" fill="hold">
+                                          <p:stCondLst>
+                                            <p:cond delay="0"/>
+                                          </p:stCondLst>
+                                        </p:cTn>
+                                        <p:tgtEl>
+                                          <p:spTgt spid="7">
+                                            <p:txEl>
+                                              <p:pRg st="5" end="5"/>
+                                            </p:txEl>
+                                          </p:spTgt>
+                                        </p:tgtEl>
+                                        <p:attrNameLst>
+                                          <p:attrName>style.visibility</p:attrName>
+                                        </p:attrNameLst>
+                                      </p:cBhvr>
+                                      <p:to>
+                                        <p:strVal val="visible"/>
+                                      </p:to>
+                                    </p:set>
+                                    <p:anim calcmode="lin" valueType="num">
+                                      <p:cBhvr additive="base">
+                                        <p:cTn id="39" dur="500" fill="hold"/>
+                                        <p:tgtEl>
+                                          <p:spTgt spid="7">
+                                            <p:txEl>
+                                              <p:pRg st="5" end="5"/>
+                                            </p:txEl>
+                                          </p:spTgt>
+                                        </p:tgtEl>
+                                        <p:attrNameLst>
+                                          <p:attrName>ppt_x</p:attrName>
+                                        </p:attrNameLst>
+                                      </p:cBhvr>
+                                      <p:tavLst>
+                                        <p:tav tm="0">
+                                          <p:val>
+                                            <p:strVal val="#ppt_x"/>
+                                          </p:val>
+                                        </p:tav>
+                                        <p:tav tm="100000">
+                                          <p:val>
+                                            <p:strVal val="#ppt_x"/>
+                                          </p:val>
+                                        </p:tav>
+                                      </p:tavLst>
+                                    </p:anim>
+                                    <p:anim calcmode="lin" valueType="num">
+                                      <p:cBhvr additive="base">
+                                        <p:cTn id="40" dur="500" fill="hold"/>
+                                        <p:tgtEl>
+                                          <p:spTgt spid="7">
+                                            <p:txEl>
+                                              <p:pRg st="5" end="5"/>
                                             </p:txEl>
                                           </p:spTgt>
                                         </p:tgtEl>
@@ -9828,26 +9929,111 @@
                     </p:cTn>
                   </p:par>
                   <p:par>
-                    <p:cTn id="33" fill="hold">
+                    <p:cTn id="41" fill="hold">
                       <p:stCondLst>
                         <p:cond delay="indefinite"/>
                       </p:stCondLst>
                       <p:childTnLst>
                         <p:par>
-                          <p:cTn id="34" fill="hold">
+                          <p:cTn id="42" fill="hold">
                             <p:stCondLst>
                               <p:cond delay="0"/>
                             </p:stCondLst>
                             <p:childTnLst>
                               <p:par>
-                                <p:cTn id="35" presetID="2" presetClass="entr" presetSubtype="4" fill="hold" nodeType="clickEffect">
+                                <p:cTn id="43" presetID="2" presetClass="entr" presetSubtype="4" fill="hold" nodeType="clickEffect">
                                   <p:stCondLst>
                                     <p:cond delay="0"/>
                                   </p:stCondLst>
                                   <p:childTnLst>
                                     <p:set>
                                       <p:cBhvr>
-                                        <p:cTn id="36" dur="1" fill="hold">
+                                        <p:cTn id="44" dur="1" fill="hold">
+                                          <p:stCondLst>
+                                            <p:cond delay="0"/>
+                                          </p:stCondLst>
+                                        </p:cTn>
+                                        <p:tgtEl>
+                                          <p:spTgt spid="7">
+                                            <p:txEl>
+                                              <p:pRg st="7" end="7"/>
+                                            </p:txEl>
+                                          </p:spTgt>
+                                        </p:tgtEl>
+                                        <p:attrNameLst>
+                                          <p:attrName>style.visibility</p:attrName>
+                                        </p:attrNameLst>
+                                      </p:cBhvr>
+                                      <p:to>
+                                        <p:strVal val="visible"/>
+                                      </p:to>
+                                    </p:set>
+                                    <p:anim calcmode="lin" valueType="num">
+                                      <p:cBhvr additive="base">
+                                        <p:cTn id="45" dur="500" fill="hold"/>
+                                        <p:tgtEl>
+                                          <p:spTgt spid="7">
+                                            <p:txEl>
+                                              <p:pRg st="7" end="7"/>
+                                            </p:txEl>
+                                          </p:spTgt>
+                                        </p:tgtEl>
+                                        <p:attrNameLst>
+                                          <p:attrName>ppt_x</p:attrName>
+                                        </p:attrNameLst>
+                                      </p:cBhvr>
+                                      <p:tavLst>
+                                        <p:tav tm="0">
+                                          <p:val>
+                                            <p:strVal val="#ppt_x"/>
+                                          </p:val>
+                                        </p:tav>
+                                        <p:tav tm="100000">
+                                          <p:val>
+                                            <p:strVal val="#ppt_x"/>
+                                          </p:val>
+                                        </p:tav>
+                                      </p:tavLst>
+                                    </p:anim>
+                                    <p:anim calcmode="lin" valueType="num">
+                                      <p:cBhvr additive="base">
+                                        <p:cTn id="46" dur="500" fill="hold"/>
+                                        <p:tgtEl>
+                                          <p:spTgt spid="7">
+                                            <p:txEl>
+                                              <p:pRg st="7" end="7"/>
+                                            </p:txEl>
+                                          </p:spTgt>
+                                        </p:tgtEl>
+                                        <p:attrNameLst>
+                                          <p:attrName>ppt_y</p:attrName>
+                                        </p:attrNameLst>
+                                      </p:cBhvr>
+                                      <p:tavLst>
+                                        <p:tav tm="0">
+                                          <p:val>
+                                            <p:strVal val="1+#ppt_h/2"/>
+                                          </p:val>
+                                        </p:tav>
+                                        <p:tav tm="100000">
+                                          <p:val>
+                                            <p:strVal val="#ppt_y"/>
+                                          </p:val>
+                                        </p:tav>
+                                      </p:tavLst>
+                                    </p:anim>
+                                  </p:childTnLst>
+                                </p:cTn>
+                              </p:par>
+                              <p:par>
+                                <p:cTn id="47" presetID="2" presetClass="entr" presetSubtype="4" fill="hold" nodeType="withEffect">
+                                  <p:stCondLst>
+                                    <p:cond delay="0"/>
+                                  </p:stCondLst>
+                                  <p:childTnLst>
+                                    <p:set>
+                                      <p:cBhvr>
+                                        <p:cTn id="48" dur="1" fill="hold">
                                           <p:stCondLst>
                                             <p:cond delay="0"/>
                                           </p:stCondLst>
@@ -9869,7 +10055,7 @@
                                     </p:set>
                                     <p:anim calcmode="lin" valueType="num">
                                       <p:cBhvr additive="base">
-                                        <p:cTn id="37" dur="500" fill="hold"/>
+                                        <p:cTn id="49" dur="500" fill="hold"/>
                                         <p:tgtEl>
                                           <p:spTgt spid="7">
                                             <p:txEl>
@@ -9896,7 +10082,7 @@
                                     </p:anim>
                                     <p:anim calcmode="lin" valueType="num">
                                       <p:cBhvr additive="base">
-                                        <p:cTn id="38" dur="500" fill="hold"/>
+                                        <p:cTn id="50" dur="500" fill="hold"/>
                                         <p:tgtEl>
                                           <p:spTgt spid="7">
                                             <p:txEl>
@@ -9951,6 +10137,10 @@
         </p:cTn>
       </p:par>
     </p:tnLst>
+    <p:bldLst>
+      <p:bldP spid="23" grpId="0" animBg="1"/>
+      <p:bldP spid="23" grpId="1" animBg="1"/>
+    </p:bldLst>
   </p:timing>
 </p:sld>
 </file>
@@ -18257,6 +18447,13 @@
   <p:clrMapOvr>
     <a:masterClrMapping/>
   </p:clrMapOvr>
+  <p:timing>
+    <p:tnLst>
+      <p:par>
+        <p:cTn id="1" dur="indefinite" restart="never" nodeType="tmRoot"/>
+      </p:par>
+    </p:tnLst>
+  </p:timing>
 </p:sld>
 </file>
 
@@ -19287,6 +19484,13 @@
   <p:clrMapOvr>
     <a:masterClrMapping/>
   </p:clrMapOvr>
+  <p:timing>
+    <p:tnLst>
+      <p:par>
+        <p:cTn id="1" dur="indefinite" restart="never" nodeType="tmRoot"/>
+      </p:par>
+    </p:tnLst>
+  </p:timing>
 </p:sld>
 </file>
 
@@ -19779,6 +19983,13 @@
   <p:clrMapOvr>
     <a:masterClrMapping/>
   </p:clrMapOvr>
+  <p:timing>
+    <p:tnLst>
+      <p:par>
+        <p:cTn id="1" dur="indefinite" restart="never" nodeType="tmRoot"/>
+      </p:par>
+    </p:tnLst>
+  </p:timing>
 </p:sld>
 </file>
 
@@ -19821,11 +20032,7 @@
           <a:p>
             <a:r>
               <a:rPr lang="pt-BR" sz="4400" dirty="0" smtClean="0"/>
-              <a:t>Exercício – Editor de </a:t>
-            </a:r>
-            <a:r>
-              <a:rPr lang="pt-BR" sz="4400" dirty="0" smtClean="0"/>
-              <a:t>Texto em Java</a:t>
+              <a:t>Exercício – Editor de Texto em Java</a:t>
             </a:r>
             <a:endParaRPr lang="pt-BR" sz="4400" dirty="0"/>
           </a:p>
@@ -20139,6 +20346,13 @@
   <p:clrMapOvr>
     <a:masterClrMapping/>
   </p:clrMapOvr>
+  <p:timing>
+    <p:tnLst>
+      <p:par>
+        <p:cTn id="1" dur="indefinite" restart="never" nodeType="tmRoot"/>
+      </p:par>
+    </p:tnLst>
+  </p:timing>
 </p:sld>
 </file>
 
@@ -20181,11 +20395,7 @@
           <a:p>
             <a:r>
               <a:rPr lang="pt-BR" sz="4400" dirty="0" smtClean="0"/>
-              <a:t>Exercício </a:t>
-            </a:r>
-            <a:r>
-              <a:rPr lang="pt-BR" sz="4400" dirty="0" smtClean="0"/>
-              <a:t>(continuação)</a:t>
+              <a:t>Exercício (continuação)</a:t>
             </a:r>
             <a:endParaRPr lang="pt-BR" sz="4400" dirty="0"/>
           </a:p>
@@ -20229,7 +20439,6 @@
               <a:rPr lang="pt-BR" sz="2000" dirty="0" smtClean="0"/>
               <a:t>Limpa a caixa de texto</a:t>
             </a:r>
-            <a:endParaRPr lang="pt-BR" sz="2000" dirty="0" smtClean="0"/>
           </a:p>
         </p:txBody>
       </p:sp>
@@ -20316,11 +20525,7 @@
           <a:p>
             <a:r>
               <a:rPr lang="pt-BR" sz="4400" dirty="0" smtClean="0"/>
-              <a:t>Exercício </a:t>
-            </a:r>
-            <a:r>
-              <a:rPr lang="pt-BR" sz="4400" dirty="0" smtClean="0"/>
-              <a:t>(continuação)</a:t>
+              <a:t>Exercício (continuação)</a:t>
             </a:r>
             <a:endParaRPr lang="pt-BR" sz="4400" dirty="0"/>
           </a:p>
@@ -20369,41 +20574,18 @@
               <a:t>Solicita que o usuário escolha um arquivo através do comando </a:t>
             </a:r>
             <a:r>
-              <a:rPr lang="pt-BR" sz="2000" dirty="0" err="1" smtClean="0">
+              <a:rPr lang="pt-BR" sz="2000" dirty="0" smtClean="0">
                 <a:solidFill>
                   <a:srgbClr val="FFC000"/>
                 </a:solidFill>
               </a:rPr>
-              <a:t>jfcArquivo</a:t>
-            </a:r>
-            <a:r>
-              <a:rPr lang="pt-BR" sz="2000" dirty="0" smtClean="0">
-                <a:solidFill>
-                  <a:srgbClr val="FFC000"/>
-                </a:solidFill>
-              </a:rPr>
-              <a:t>.</a:t>
-            </a:r>
-            <a:r>
-              <a:rPr lang="pt-BR" sz="2000" dirty="0" err="1" smtClean="0">
-                <a:solidFill>
-                  <a:srgbClr val="FFC000"/>
-                </a:solidFill>
-              </a:rPr>
-              <a:t>showOpenDialog</a:t>
-            </a:r>
-            <a:r>
-              <a:rPr lang="pt-BR" sz="2000" dirty="0" smtClean="0">
-                <a:solidFill>
-                  <a:srgbClr val="FFC000"/>
-                </a:solidFill>
-              </a:rPr>
-              <a:t>()</a:t>
+              <a:t>jfcArquivo.showOpenDialog(null)</a:t>
             </a:r>
             <a:r>
               <a:rPr lang="pt-BR" sz="2000" dirty="0" smtClean="0"/>
               <a:t>;</a:t>
             </a:r>
+            <a:endParaRPr lang="pt-BR" sz="2000" dirty="0" smtClean="0"/>
           </a:p>
           <a:p>
             <a:pPr lvl="1">
@@ -20435,7 +20617,6 @@
               <a:rPr lang="pt-BR" sz="2000" dirty="0" smtClean="0"/>
               <a:t>, significa que o usuário selecionou corretamente um arquivo.</a:t>
             </a:r>
-            <a:endParaRPr lang="pt-BR" sz="2000" dirty="0" smtClean="0"/>
           </a:p>
           <a:p>
             <a:pPr lvl="1" indent="-1588">
@@ -20594,11 +20775,7 @@
           <a:p>
             <a:r>
               <a:rPr lang="pt-BR" sz="4400" dirty="0" smtClean="0"/>
-              <a:t>Exercício </a:t>
-            </a:r>
-            <a:r>
-              <a:rPr lang="pt-BR" sz="4400" dirty="0" smtClean="0"/>
-              <a:t>(continuação)</a:t>
+              <a:t>Exercício (continuação)</a:t>
             </a:r>
             <a:endParaRPr lang="pt-BR" sz="4400" dirty="0"/>
           </a:p>
@@ -20644,52 +20821,33 @@
             </a:pPr>
             <a:r>
               <a:rPr lang="pt-BR" sz="2000" dirty="0" smtClean="0"/>
-              <a:t>Solicita que o usuário escolha </a:t>
+              <a:t>Solicita que o usuário </a:t>
+            </a:r>
+            <a:r>
+              <a:rPr lang="pt-BR" sz="2000" smtClean="0"/>
+              <a:t>escolha um arquivo </a:t>
             </a:r>
             <a:r>
               <a:rPr lang="pt-BR" sz="2000" dirty="0" smtClean="0"/>
-              <a:t>arquivo existente ou digite o nome de um novo arquivo através </a:t>
-            </a:r>
-            <a:r>
-              <a:rPr lang="pt-BR" sz="2000" dirty="0" smtClean="0"/>
-              <a:t>do comando </a:t>
-            </a:r>
-            <a:r>
-              <a:rPr lang="pt-BR" sz="2000" dirty="0" err="1" smtClean="0">
+              <a:t>existente ou digite o nome de um novo arquivo através do </a:t>
+            </a:r>
+            <a:r>
+              <a:rPr lang="pt-BR" sz="2000" smtClean="0"/>
+              <a:t>comando </a:t>
+            </a:r>
+            <a:r>
+              <a:rPr lang="pt-BR" sz="2000" smtClean="0">
                 <a:solidFill>
                   <a:srgbClr val="FFC000"/>
                 </a:solidFill>
               </a:rPr>
-              <a:t>jfcArquivo</a:t>
-            </a:r>
-            <a:r>
-              <a:rPr lang="pt-BR" sz="2000" dirty="0" smtClean="0">
-                <a:solidFill>
-                  <a:srgbClr val="FFC000"/>
-                </a:solidFill>
-              </a:rPr>
-              <a:t>.</a:t>
-            </a:r>
-            <a:r>
-              <a:rPr lang="pt-BR" sz="2000" dirty="0" err="1" smtClean="0">
-                <a:solidFill>
-                  <a:srgbClr val="FFC000"/>
-                </a:solidFill>
-              </a:rPr>
-              <a:t>showSaveDialog</a:t>
-            </a:r>
-            <a:r>
-              <a:rPr lang="pt-BR" sz="2000" dirty="0" smtClean="0">
-                <a:solidFill>
-                  <a:srgbClr val="FFC000"/>
-                </a:solidFill>
-              </a:rPr>
-              <a:t>()</a:t>
-            </a:r>
-            <a:r>
-              <a:rPr lang="pt-BR" sz="2000" dirty="0" smtClean="0"/>
+              <a:t>jfcArquivo.showSaveDialog(null)</a:t>
+            </a:r>
+            <a:r>
+              <a:rPr lang="pt-BR" sz="2000" smtClean="0"/>
               <a:t>;</a:t>
             </a:r>
+            <a:endParaRPr lang="pt-BR" sz="2000" dirty="0" smtClean="0"/>
           </a:p>
           <a:p>
             <a:pPr lvl="1">
@@ -20719,13 +20877,8 @@
             </a:r>
             <a:r>
               <a:rPr lang="pt-BR" sz="2000" dirty="0" smtClean="0"/>
-              <a:t>, </a:t>
-            </a:r>
-            <a:r>
-              <a:rPr lang="pt-BR" sz="2000" dirty="0" smtClean="0"/>
-              <a:t>salve todo o conteúdo da caixa de texto no arquivo obtido pelo comando abaixo:</a:t>
-            </a:r>
-            <a:endParaRPr lang="pt-BR" sz="2000" dirty="0" smtClean="0"/>
+              <a:t>, salve todo o conteúdo da caixa de texto no arquivo obtido pelo comando abaixo:</a:t>
+            </a:r>
           </a:p>
           <a:p>
             <a:pPr marL="1588" lvl="1" indent="-1588" algn="ctr">
@@ -20740,7 +20893,15 @@
                   <a:srgbClr val="FFC000"/>
                 </a:solidFill>
               </a:rPr>
-              <a:t>File </a:t>
+              <a:t>File arquivo = </a:t>
+            </a:r>
+            <a:r>
+              <a:rPr lang="pt-BR" sz="2000" dirty="0" err="1" smtClean="0">
+                <a:solidFill>
+                  <a:srgbClr val="FFC000"/>
+                </a:solidFill>
+              </a:rPr>
+              <a:t>jfcArquivo</a:t>
             </a:r>
             <a:r>
               <a:rPr lang="pt-BR" sz="2000" dirty="0" smtClean="0">
@@ -20748,7 +20909,7 @@
                   <a:srgbClr val="FFC000"/>
                 </a:solidFill>
               </a:rPr>
-              <a:t>arquivo = </a:t>
+              <a:t>.</a:t>
             </a:r>
             <a:r>
               <a:rPr lang="pt-BR" sz="2000" dirty="0" err="1" smtClean="0">
@@ -20756,7 +20917,7 @@
                   <a:srgbClr val="FFC000"/>
                 </a:solidFill>
               </a:rPr>
-              <a:t>jfcArquivo</a:t>
+              <a:t>getSelectedFile</a:t>
             </a:r>
             <a:r>
               <a:rPr lang="pt-BR" sz="2000" dirty="0" smtClean="0">
@@ -20764,29 +20925,8 @@
                   <a:srgbClr val="FFC000"/>
                 </a:solidFill>
               </a:rPr>
-              <a:t>.</a:t>
-            </a:r>
-            <a:r>
-              <a:rPr lang="pt-BR" sz="2000" dirty="0" err="1" smtClean="0">
-                <a:solidFill>
-                  <a:srgbClr val="FFC000"/>
-                </a:solidFill>
-              </a:rPr>
-              <a:t>getSelectedFile</a:t>
-            </a:r>
-            <a:r>
-              <a:rPr lang="pt-BR" sz="2000" dirty="0" smtClean="0">
-                <a:solidFill>
-                  <a:srgbClr val="FFC000"/>
-                </a:solidFill>
-              </a:rPr>
               <a:t>();</a:t>
             </a:r>
-            <a:endParaRPr lang="pt-BR" sz="2000" dirty="0" smtClean="0">
-              <a:solidFill>
-                <a:srgbClr val="FFC000"/>
-              </a:solidFill>
-            </a:endParaRPr>
           </a:p>
         </p:txBody>
       </p:sp>
@@ -21012,11 +21152,7 @@
           <a:p>
             <a:r>
               <a:rPr lang="pt-BR" sz="4400" dirty="0" smtClean="0"/>
-              <a:t>Exercício </a:t>
-            </a:r>
-            <a:r>
-              <a:rPr lang="pt-BR" sz="4400" dirty="0" smtClean="0"/>
-              <a:t>(desafio 1)</a:t>
+              <a:t>Exercício (desafio 1)</a:t>
             </a:r>
             <a:endParaRPr lang="pt-BR" sz="4400" dirty="0"/>
           </a:p>
@@ -21201,11 +21337,7 @@
           <a:p>
             <a:r>
               <a:rPr lang="pt-BR" sz="4400" dirty="0" smtClean="0"/>
-              <a:t>Exercício </a:t>
-            </a:r>
-            <a:r>
-              <a:rPr lang="pt-BR" sz="4400" dirty="0" smtClean="0"/>
-              <a:t>(desafio 2)</a:t>
+              <a:t>Exercício (desafio 2)</a:t>
             </a:r>
             <a:endParaRPr lang="pt-BR" sz="4400" dirty="0"/>
           </a:p>
@@ -25473,7 +25605,7 @@
       </p:sp>
       <p:grpSp>
         <p:nvGrpSpPr>
-          <p:cNvPr id="3" name="Grupo 9"/>
+          <p:cNvPr id="27" name="Grupo 26"/>
           <p:cNvGrpSpPr/>
           <p:nvPr/>
         </p:nvGrpSpPr>
@@ -25481,7 +25613,7 @@
           <a:xfrm>
             <a:off x="3419872" y="1628800"/>
             <a:ext cx="5184949" cy="1664894"/>
-            <a:chOff x="3779912" y="2348881"/>
+            <a:chOff x="3419872" y="1628800"/>
             <a:chExt cx="5184949" cy="1664894"/>
           </a:xfrm>
         </p:grpSpPr>
@@ -25495,7 +25627,7 @@
           </p:nvSpPr>
           <p:spPr bwMode="auto">
             <a:xfrm>
-              <a:off x="3779912" y="2348881"/>
+              <a:off x="3419872" y="1628800"/>
               <a:ext cx="3672408" cy="432048"/>
             </a:xfrm>
             <a:prstGeom prst="rect">
@@ -25528,7 +25660,7 @@
           </p:nvSpPr>
           <p:spPr bwMode="auto">
             <a:xfrm>
-              <a:off x="6660232" y="3429000"/>
+              <a:off x="6300192" y="2708919"/>
               <a:ext cx="2304629" cy="584775"/>
             </a:xfrm>
             <a:prstGeom prst="rect">
@@ -25568,46 +25700,46 @@
             </a:p>
           </p:txBody>
         </p:sp>
+        <p:cxnSp>
+          <p:nvCxnSpPr>
+            <p:cNvPr id="49" name="Conector angulado 48"/>
+            <p:cNvCxnSpPr>
+              <a:stCxn id="48" idx="0"/>
+              <a:endCxn id="47" idx="3"/>
+            </p:cNvCxnSpPr>
+            <p:nvPr/>
+          </p:nvCxnSpPr>
+          <p:spPr>
+            <a:xfrm rot="16200000" flipV="1">
+              <a:off x="6840347" y="2096758"/>
+              <a:ext cx="864095" cy="360227"/>
+            </a:xfrm>
+            <a:prstGeom prst="bentConnector2">
+              <a:avLst/>
+            </a:prstGeom>
+            <a:ln w="28575">
+              <a:solidFill>
+                <a:schemeClr val="tx1"/>
+              </a:solidFill>
+              <a:tailEnd type="arrow"/>
+            </a:ln>
+          </p:spPr>
+          <p:style>
+            <a:lnRef idx="1">
+              <a:schemeClr val="accent1"/>
+            </a:lnRef>
+            <a:fillRef idx="0">
+              <a:schemeClr val="accent1"/>
+            </a:fillRef>
+            <a:effectRef idx="0">
+              <a:schemeClr val="accent1"/>
+            </a:effectRef>
+            <a:fontRef idx="minor">
+              <a:schemeClr val="tx1"/>
+            </a:fontRef>
+          </p:style>
+        </p:cxnSp>
       </p:grpSp>
-      <p:cxnSp>
-        <p:nvCxnSpPr>
-          <p:cNvPr id="49" name="Conector angulado 48"/>
-          <p:cNvCxnSpPr>
-            <a:stCxn id="48" idx="0"/>
-            <a:endCxn id="47" idx="3"/>
-          </p:cNvCxnSpPr>
-          <p:nvPr/>
-        </p:nvCxnSpPr>
-        <p:spPr>
-          <a:xfrm rot="16200000" flipV="1">
-            <a:off x="6840347" y="2096758"/>
-            <a:ext cx="864095" cy="360227"/>
-          </a:xfrm>
-          <a:prstGeom prst="bentConnector2">
-            <a:avLst/>
-          </a:prstGeom>
-          <a:ln w="28575">
-            <a:solidFill>
-              <a:schemeClr val="tx1"/>
-            </a:solidFill>
-            <a:tailEnd type="arrow"/>
-          </a:ln>
-        </p:spPr>
-        <p:style>
-          <a:lnRef idx="1">
-            <a:schemeClr val="accent1"/>
-          </a:lnRef>
-          <a:fillRef idx="0">
-            <a:schemeClr val="accent1"/>
-          </a:fillRef>
-          <a:effectRef idx="0">
-            <a:schemeClr val="accent1"/>
-          </a:effectRef>
-          <a:fontRef idx="minor">
-            <a:schemeClr val="tx1"/>
-          </a:fontRef>
-        </p:style>
-      </p:cxnSp>
       <p:grpSp>
         <p:nvGrpSpPr>
           <p:cNvPr id="57" name="Grupo 56"/>
@@ -25616,10 +25748,10 @@
         </p:nvGrpSpPr>
         <p:grpSpPr>
           <a:xfrm>
-            <a:off x="755576" y="5229200"/>
-            <a:ext cx="7128793" cy="936104"/>
-            <a:chOff x="755576" y="5229200"/>
-            <a:chExt cx="7128793" cy="936104"/>
+            <a:off x="755576" y="5675650"/>
+            <a:ext cx="7128793" cy="489654"/>
+            <a:chOff x="755576" y="5675650"/>
+            <a:chExt cx="7128793" cy="489654"/>
           </a:xfrm>
         </p:grpSpPr>
         <p:sp>
@@ -26436,53 +26568,53 @@
             </a:p>
           </p:txBody>
         </p:sp>
-        <p:sp>
-          <p:nvSpPr>
-            <p:cNvPr id="74" name="Seta para baixo 73"/>
-            <p:cNvSpPr/>
-            <p:nvPr/>
-          </p:nvSpPr>
-          <p:spPr>
-            <a:xfrm>
-              <a:off x="2627784" y="5229200"/>
-              <a:ext cx="244152" cy="360040"/>
-            </a:xfrm>
-            <a:prstGeom prst="downArrow">
-              <a:avLst/>
-            </a:prstGeom>
-            <a:solidFill>
-              <a:schemeClr val="tx1"/>
-            </a:solidFill>
-            <a:ln>
-              <a:noFill/>
-            </a:ln>
-          </p:spPr>
-          <p:style>
-            <a:lnRef idx="2">
-              <a:schemeClr val="accent1">
-                <a:shade val="50000"/>
-              </a:schemeClr>
-            </a:lnRef>
-            <a:fillRef idx="1">
-              <a:schemeClr val="accent1"/>
-            </a:fillRef>
-            <a:effectRef idx="0">
-              <a:schemeClr val="accent1"/>
-            </a:effectRef>
-            <a:fontRef idx="minor">
-              <a:schemeClr val="lt1"/>
-            </a:fontRef>
-          </p:style>
-          <p:txBody>
-            <a:bodyPr rtlCol="0" anchor="ctr"/>
-            <a:lstStyle/>
-            <a:p>
-              <a:pPr algn="ctr"/>
-              <a:endParaRPr lang="pt-BR"/>
-            </a:p>
-          </p:txBody>
-        </p:sp>
       </p:grpSp>
+      <p:sp>
+        <p:nvSpPr>
+          <p:cNvPr id="28" name="Seta para baixo 27"/>
+          <p:cNvSpPr/>
+          <p:nvPr/>
+        </p:nvSpPr>
+        <p:spPr>
+          <a:xfrm>
+            <a:off x="827584" y="5229200"/>
+            <a:ext cx="244152" cy="360040"/>
+          </a:xfrm>
+          <a:prstGeom prst="downArrow">
+            <a:avLst/>
+          </a:prstGeom>
+          <a:solidFill>
+            <a:schemeClr val="tx1"/>
+          </a:solidFill>
+          <a:ln>
+            <a:noFill/>
+          </a:ln>
+        </p:spPr>
+        <p:style>
+          <a:lnRef idx="2">
+            <a:schemeClr val="accent1">
+              <a:shade val="50000"/>
+            </a:schemeClr>
+          </a:lnRef>
+          <a:fillRef idx="1">
+            <a:schemeClr val="accent1"/>
+          </a:fillRef>
+          <a:effectRef idx="0">
+            <a:schemeClr val="accent1"/>
+          </a:effectRef>
+          <a:fontRef idx="minor">
+            <a:schemeClr val="lt1"/>
+          </a:fontRef>
+        </p:style>
+        <p:txBody>
+          <a:bodyPr rtlCol="0" anchor="ctr"/>
+          <a:lstStyle/>
+          <a:p>
+            <a:pPr algn="ctr"/>
+            <a:endParaRPr lang="pt-BR"/>
+          </a:p>
+        </p:txBody>
+      </p:sp>
     </p:spTree>
   </p:cSld>
   <p:clrMapOvr>
@@ -26593,6 +26725,152 @@
                                   </p:childTnLst>
                                 </p:cTn>
                               </p:par>
+                              <p:par>
+                                <p:cTn id="9" presetID="2" presetClass="entr" presetSubtype="4" fill="hold" grpId="1" nodeType="withEffect">
+                                  <p:stCondLst>
+                                    <p:cond delay="0"/>
+                                  </p:stCondLst>
+                                  <p:childTnLst>
+                                    <p:set>
+                                      <p:cBhvr>
+                                        <p:cTn id="10" dur="1" fill="hold">
+                                          <p:stCondLst>
+                                            <p:cond delay="0"/>
+                                          </p:stCondLst>
+                                        </p:cTn>
+                                        <p:tgtEl>
+                                          <p:spTgt spid="28"/>
+                                        </p:tgtEl>
+                                        <p:attrNameLst>
+                                          <p:attrName>style.visibility</p:attrName>
+                                        </p:attrNameLst>
+                                      </p:cBhvr>
+                                      <p:to>
+                                        <p:strVal val="visible"/>
+                                      </p:to>
+                                    </p:set>
+                                    <p:anim calcmode="lin" valueType="num">
+                                      <p:cBhvr additive="base">
+                                        <p:cTn id="11" dur="500" fill="hold"/>
+                                        <p:tgtEl>
+                                          <p:spTgt spid="28"/>
+                                        </p:tgtEl>
+                                        <p:attrNameLst>
+                                          <p:attrName>ppt_x</p:attrName>
+                                        </p:attrNameLst>
+                                      </p:cBhvr>
+                                      <p:tavLst>
+                                        <p:tav tm="0">
+                                          <p:val>
+                                            <p:strVal val="#ppt_x"/>
+                                          </p:val>
+                                        </p:tav>
+                                        <p:tav tm="100000">
+                                          <p:val>
+                                            <p:strVal val="#ppt_x"/>
+                                          </p:val>
+                                        </p:tav>
+                                      </p:tavLst>
+                                    </p:anim>
+                                    <p:anim calcmode="lin" valueType="num">
+                                      <p:cBhvr additive="base">
+                                        <p:cTn id="12" dur="500" fill="hold"/>
+                                        <p:tgtEl>
+                                          <p:spTgt spid="28"/>
+                                        </p:tgtEl>
+                                        <p:attrNameLst>
+                                          <p:attrName>ppt_y</p:attrName>
+                                        </p:attrNameLst>
+                                      </p:cBhvr>
+                                      <p:tavLst>
+                                        <p:tav tm="0">
+                                          <p:val>
+                                            <p:strVal val="1+#ppt_h/2"/>
+                                          </p:val>
+                                        </p:tav>
+                                        <p:tav tm="100000">
+                                          <p:val>
+                                            <p:strVal val="#ppt_y"/>
+                                          </p:val>
+                                        </p:tav>
+                                      </p:tavLst>
+                                    </p:anim>
+                                  </p:childTnLst>
+                                </p:cTn>
+                              </p:par>
+                              <p:par>
+                                <p:cTn id="13" presetID="2" presetClass="entr" presetSubtype="4" fill="hold" nodeType="withEffect">
+                                  <p:stCondLst>
+                                    <p:cond delay="0"/>
+                                  </p:stCondLst>
+                                  <p:childTnLst>
+                                    <p:set>
+                                      <p:cBhvr>
+                                        <p:cTn id="14" dur="1" fill="hold">
+                                          <p:stCondLst>
+                                            <p:cond delay="0"/>
+                                          </p:stCondLst>
+                                        </p:cTn>
+                                        <p:tgtEl>
+                                          <p:spTgt spid="57"/>
+                                        </p:tgtEl>
+                                        <p:attrNameLst>
+                                          <p:attrName>style.visibility</p:attrName>
+                                        </p:attrNameLst>
+                                      </p:cBhvr>
+                                      <p:to>
+                                        <p:strVal val="visible"/>
+                                      </p:to>
+                                    </p:set>
+                                    <p:anim calcmode="lin" valueType="num">
+                                      <p:cBhvr additive="base">
+                                        <p:cTn id="15" dur="500" fill="hold"/>
+                                        <p:tgtEl>
+                                          <p:spTgt spid="57"/>
+                                        </p:tgtEl>
+                                        <p:attrNameLst>
+                                          <p:attrName>ppt_x</p:attrName>
+                                        </p:attrNameLst>
+                                      </p:cBhvr>
+                                      <p:tavLst>
+                                        <p:tav tm="0">
+                                          <p:val>
+                                            <p:strVal val="#ppt_x"/>
+                                          </p:val>
+                                        </p:tav>
+                                        <p:tav tm="100000">
+                                          <p:val>
+                                            <p:strVal val="#ppt_x"/>
+                                          </p:val>
+                                        </p:tav>
+                                      </p:tavLst>
+                                    </p:anim>
+                                    <p:anim calcmode="lin" valueType="num">
+                                      <p:cBhvr additive="base">
+                                        <p:cTn id="16" dur="500" fill="hold"/>
+                                        <p:tgtEl>
+                                          <p:spTgt spid="57"/>
+                                        </p:tgtEl>
+                                        <p:attrNameLst>
+                                          <p:attrName>ppt_y</p:attrName>
+                                        </p:attrNameLst>
+                                      </p:cBhvr>
+                                      <p:tavLst>
+                                        <p:tav tm="0">
+                                          <p:val>
+                                            <p:strVal val="1+#ppt_h/2"/>
+                                          </p:val>
+                                        </p:tav>
+                                        <p:tav tm="100000">
+                                          <p:val>
+                                            <p:strVal val="#ppt_y"/>
+                                          </p:val>
+                                        </p:tav>
+                                      </p:tavLst>
+                                    </p:anim>
+                                  </p:childTnLst>
+                                </p:cTn>
+                              </p:par>
                             </p:childTnLst>
                           </p:cTn>
                         </p:par>
@@ -26600,26 +26878,117 @@
                     </p:cTn>
                   </p:par>
                   <p:par>
-                    <p:cTn id="9" fill="hold">
+                    <p:cTn id="17" fill="hold">
                       <p:stCondLst>
                         <p:cond delay="indefinite"/>
                       </p:stCondLst>
                       <p:childTnLst>
                         <p:par>
-                          <p:cTn id="10" fill="hold">
+                          <p:cTn id="18" fill="hold">
                             <p:stCondLst>
                               <p:cond delay="0"/>
                             </p:stCondLst>
                             <p:childTnLst>
                               <p:par>
-                                <p:cTn id="11" presetID="2" presetClass="entr" presetSubtype="4" fill="hold" nodeType="clickEffect">
+                                <p:cTn id="19" presetID="2" presetClass="entr" presetSubtype="4" fill="hold" nodeType="clickEffect">
                                   <p:stCondLst>
                                     <p:cond delay="0"/>
                                   </p:stCondLst>
                                   <p:childTnLst>
                                     <p:set>
                                       <p:cBhvr>
-                                        <p:cTn id="12" dur="1" fill="hold">
+                                        <p:cTn id="20" dur="1" fill="hold">
+                                          <p:stCondLst>
+                                            <p:cond delay="0"/>
+                                          </p:stCondLst>
+                                        </p:cTn>
+                                        <p:tgtEl>
+                                          <p:spTgt spid="27"/>
+                                        </p:tgtEl>
+                                        <p:attrNameLst>
+                                          <p:attrName>style.visibility</p:attrName>
+                                        </p:attrNameLst>
+                                      </p:cBhvr>
+                                      <p:to>
+                                        <p:strVal val="visible"/>
+                                      </p:to>
+                                    </p:set>
+                                    <p:anim calcmode="lin" valueType="num">
+                                      <p:cBhvr additive="base">
+                                        <p:cTn id="21" dur="500" fill="hold"/>
+                                        <p:tgtEl>
+                                          <p:spTgt spid="27"/>
+                                        </p:tgtEl>
+                                        <p:attrNameLst>
+                                          <p:attrName>ppt_x</p:attrName>
+                                        </p:attrNameLst>
+                                      </p:cBhvr>
+                                      <p:tavLst>
+                                        <p:tav tm="0">
+                                          <p:val>
+                                            <p:strVal val="#ppt_x"/>
+                                          </p:val>
+                                        </p:tav>
+                                        <p:tav tm="100000">
+                                          <p:val>
+                                            <p:strVal val="#ppt_x"/>
+                                          </p:val>
+                                        </p:tav>
+                                      </p:tavLst>
+                                    </p:anim>
+                                    <p:anim calcmode="lin" valueType="num">
+                                      <p:cBhvr additive="base">
+                                        <p:cTn id="22" dur="500" fill="hold"/>
+                                        <p:tgtEl>
+                                          <p:spTgt spid="27"/>
+                                        </p:tgtEl>
+                                        <p:attrNameLst>
+                                          <p:attrName>ppt_y</p:attrName>
+                                        </p:attrNameLst>
+                                      </p:cBhvr>
+                                      <p:tavLst>
+                                        <p:tav tm="0">
+                                          <p:val>
+                                            <p:strVal val="1+#ppt_h/2"/>
+                                          </p:val>
+                                        </p:tav>
+                                        <p:tav tm="100000">
+                                          <p:val>
+                                            <p:strVal val="#ppt_y"/>
+                                          </p:val>
+                                        </p:tav>
+                                      </p:tavLst>
+                                    </p:anim>
+                                  </p:childTnLst>
+                                </p:cTn>
+                              </p:par>
+                            </p:childTnLst>
+                          </p:cTn>
+                        </p:par>
+                      </p:childTnLst>
+                    </p:cTn>
+                  </p:par>
+                  <p:par>
+                    <p:cTn id="23" fill="hold">
+                      <p:stCondLst>
+                        <p:cond delay="indefinite"/>
+                      </p:stCondLst>
+                      <p:childTnLst>
+                        <p:par>
+                          <p:cTn id="24" fill="hold">
+                            <p:stCondLst>
+                              <p:cond delay="0"/>
+                            </p:stCondLst>
+                            <p:childTnLst>
+                              <p:par>
+                                <p:cTn id="25" presetID="2" presetClass="entr" presetSubtype="4" fill="hold" nodeType="clickEffect">
+                                  <p:stCondLst>
+                                    <p:cond delay="0"/>
+                                  </p:stCondLst>
+                                  <p:childTnLst>
+                                    <p:set>
+                                      <p:cBhvr>
+                                        <p:cTn id="26" dur="1" fill="hold">
                                           <p:stCondLst>
                                             <p:cond delay="0"/>
                                           </p:stCondLst>
@@ -26641,7 +27010,7 @@
                                     </p:set>
                                     <p:anim calcmode="lin" valueType="num">
                                       <p:cBhvr additive="base">
-                                        <p:cTn id="13" dur="500" fill="hold"/>
+                                        <p:cTn id="27" dur="500" fill="hold"/>
                                         <p:tgtEl>
                                           <p:spTgt spid="7">
                                             <p:txEl>
@@ -26668,7 +27037,7 @@
                                     </p:anim>
                                     <p:anim calcmode="lin" valueType="num">
                                       <p:cBhvr additive="base">
-                                        <p:cTn id="14" dur="500" fill="hold"/>
+                                        <p:cTn id="28" dur="500" fill="hold"/>
                                         <p:tgtEl>
                                           <p:spTgt spid="7">
                                             <p:txEl>
@@ -26703,117 +27072,26 @@
                     </p:cTn>
                   </p:par>
                   <p:par>
-                    <p:cTn id="15" fill="hold">
+                    <p:cTn id="29" fill="hold">
                       <p:stCondLst>
                         <p:cond delay="indefinite"/>
                       </p:stCondLst>
                       <p:childTnLst>
                         <p:par>
-                          <p:cTn id="16" fill="hold">
+                          <p:cTn id="30" fill="hold">
                             <p:stCondLst>
                               <p:cond delay="0"/>
                             </p:stCondLst>
                             <p:childTnLst>
                               <p:par>
-                                <p:cTn id="17" presetID="2" presetClass="entr" presetSubtype="4" fill="hold" nodeType="clickEffect">
+                                <p:cTn id="31" presetID="2" presetClass="entr" presetSubtype="4" fill="hold" nodeType="clickEffect">
                                   <p:stCondLst>
                                     <p:cond delay="0"/>
                                   </p:stCondLst>
                                   <p:childTnLst>
                                     <p:set>
                                       <p:cBhvr>
-                                        <p:cTn id="18" dur="1" fill="hold">
-                                          <p:stCondLst>
-                                            <p:cond delay="0"/>
-                                          </p:stCondLst>
-                                        </p:cTn>
-                                        <p:tgtEl>
-                                          <p:spTgt spid="3"/>
-                                        </p:tgtEl>
-                                        <p:attrNameLst>
-                                          <p:attrName>style.visibility</p:attrName>
-                                        </p:attrNameLst>
-                                      </p:cBhvr>
-                                      <p:to>
-                                        <p:strVal val="visible"/>
-                                      </p:to>
-                                    </p:set>
-                                    <p:anim calcmode="lin" valueType="num">
-                                      <p:cBhvr additive="base">
-                                        <p:cTn id="19" dur="500" fill="hold"/>
-                                        <p:tgtEl>
-                                          <p:spTgt spid="3"/>
-                                        </p:tgtEl>
-                                        <p:attrNameLst>
-                                          <p:attrName>ppt_x</p:attrName>
-                                        </p:attrNameLst>
-                                      </p:cBhvr>
-                                      <p:tavLst>
-                                        <p:tav tm="0">
-                                          <p:val>
-                                            <p:strVal val="#ppt_x"/>
-                                          </p:val>
-                                        </p:tav>
-                                        <p:tav tm="100000">
-                                          <p:val>
-                                            <p:strVal val="#ppt_x"/>
-                                          </p:val>
-                                        </p:tav>
-                                      </p:tavLst>
-                                    </p:anim>
-                                    <p:anim calcmode="lin" valueType="num">
-                                      <p:cBhvr additive="base">
-                                        <p:cTn id="20" dur="500" fill="hold"/>
-                                        <p:tgtEl>
-                                          <p:spTgt spid="3"/>
-                                        </p:tgtEl>
-                                        <p:attrNameLst>
-                                          <p:attrName>ppt_y</p:attrName>
-                                        </p:attrNameLst>
-                                      </p:cBhvr>
-                                      <p:tavLst>
-                                        <p:tav tm="0">
-                                          <p:val>
-                                            <p:strVal val="1+#ppt_h/2"/>
-                                          </p:val>
-                                        </p:tav>
-                                        <p:tav tm="100000">
-                                          <p:val>
-                                            <p:strVal val="#ppt_y"/>
-                                          </p:val>
-                                        </p:tav>
-                                      </p:tavLst>
-                                    </p:anim>
-                                  </p:childTnLst>
-                                </p:cTn>
-                              </p:par>
-                            </p:childTnLst>
-                          </p:cTn>
-                        </p:par>
-                      </p:childTnLst>
-                    </p:cTn>
-                  </p:par>
-                  <p:par>
-                    <p:cTn id="21" fill="hold">
-                      <p:stCondLst>
-                        <p:cond delay="indefinite"/>
-                      </p:stCondLst>
-                      <p:childTnLst>
-                        <p:par>
-                          <p:cTn id="22" fill="hold">
-                            <p:stCondLst>
-                              <p:cond delay="0"/>
-                            </p:stCondLst>
-                            <p:childTnLst>
-                              <p:par>
-                                <p:cTn id="23" presetID="2" presetClass="entr" presetSubtype="4" fill="hold" nodeType="clickEffect">
-                                  <p:stCondLst>
-                                    <p:cond delay="0"/>
-                                  </p:stCondLst>
-                                  <p:childTnLst>
-                                    <p:set>
-                                      <p:cBhvr>
-                                        <p:cTn id="24" dur="1" fill="hold">
+                                        <p:cTn id="32" dur="1" fill="hold">
                                           <p:stCondLst>
                                             <p:cond delay="0"/>
                                           </p:stCondLst>
@@ -26835,7 +27113,7 @@
                                     </p:set>
                                     <p:anim calcmode="lin" valueType="num">
                                       <p:cBhvr additive="base">
-                                        <p:cTn id="25" dur="500" fill="hold"/>
+                                        <p:cTn id="33" dur="500" fill="hold"/>
                                         <p:tgtEl>
                                           <p:spTgt spid="7">
                                             <p:txEl>
@@ -26862,7 +27140,7 @@
                                     </p:anim>
                                     <p:anim calcmode="lin" valueType="num">
                                       <p:cBhvr additive="base">
-                                        <p:cTn id="26" dur="500" fill="hold"/>
+                                        <p:cTn id="34" dur="500" fill="hold"/>
                                         <p:tgtEl>
                                           <p:spTgt spid="7">
                                             <p:txEl>
@@ -26890,6 +27168,28 @@
                                   </p:childTnLst>
                                 </p:cTn>
                               </p:par>
+                              <p:par>
+                                <p:cTn id="35" presetID="63" presetClass="path" presetSubtype="0" accel="50000" decel="50000" fill="hold" grpId="0" nodeType="withEffect">
+                                  <p:stCondLst>
+                                    <p:cond delay="0"/>
+                                  </p:stCondLst>
+                                  <p:childTnLst>
+                                    <p:animMotion origin="layout" path="M 5.55556E-7 2.59259E-6 L 0.04965 2.59259E-6 " pathEditMode="relative" rAng="0" ptsTypes="AA">
+                                      <p:cBhvr>
+                                        <p:cTn id="36" dur="2000" fill="hold"/>
+                                        <p:tgtEl>
+                                          <p:spTgt spid="28"/>
+                                        </p:tgtEl>
+                                        <p:attrNameLst>
+                                          <p:attrName>ppt_x</p:attrName>
+                                          <p:attrName>ppt_y</p:attrName>
+                                        </p:attrNameLst>
+                                      </p:cBhvr>
+                                      <p:rCtr x="25" y="0"/>
+                                    </p:animMotion>
+                                  </p:childTnLst>
+                                </p:cTn>
+                              </p:par>
                             </p:childTnLst>
                           </p:cTn>
                         </p:par>
@@ -26897,26 +27197,26 @@
                     </p:cTn>
                   </p:par>
                   <p:par>
-                    <p:cTn id="27" fill="hold">
+                    <p:cTn id="37" fill="hold">
                       <p:stCondLst>
                         <p:cond delay="indefinite"/>
                       </p:stCondLst>
                       <p:childTnLst>
                         <p:par>
-                          <p:cTn id="28" fill="hold">
+                          <p:cTn id="38" fill="hold">
                             <p:stCondLst>
                               <p:cond delay="0"/>
                             </p:stCondLst>
                             <p:childTnLst>
                               <p:par>
-                                <p:cTn id="29" presetID="2" presetClass="entr" presetSubtype="4" fill="hold" nodeType="clickEffect">
+                                <p:cTn id="39" presetID="2" presetClass="entr" presetSubtype="4" fill="hold" nodeType="clickEffect">
                                   <p:stCondLst>
                                     <p:cond delay="0"/>
                                   </p:stCondLst>
                                   <p:childTnLst>
                                     <p:set>
                                       <p:cBhvr>
-                                        <p:cTn id="30" dur="1" fill="hold">
+                                        <p:cTn id="40" dur="1" fill="hold">
                                           <p:stCondLst>
                                             <p:cond delay="0"/>
                                           </p:stCondLst>
@@ -26938,7 +27238,7 @@
                                     </p:set>
                                     <p:anim calcmode="lin" valueType="num">
                                       <p:cBhvr additive="base">
-                                        <p:cTn id="31" dur="500" fill="hold"/>
+                                        <p:cTn id="41" dur="500" fill="hold"/>
                                         <p:tgtEl>
                                           <p:spTgt spid="7">
                                             <p:txEl>
@@ -26965,7 +27265,7 @@
                                     </p:anim>
                                     <p:anim calcmode="lin" valueType="num">
                                       <p:cBhvr additive="base">
-                                        <p:cTn id="32" dur="500" fill="hold"/>
+                                        <p:cTn id="42" dur="500" fill="hold"/>
                                         <p:tgtEl>
                                           <p:spTgt spid="7">
                                             <p:txEl>
@@ -26993,209 +27293,25 @@
                                   </p:childTnLst>
                                 </p:cTn>
                               </p:par>
-                            </p:childTnLst>
-                          </p:cTn>
-                        </p:par>
-                      </p:childTnLst>
-                    </p:cTn>
-                  </p:par>
-                  <p:par>
-                    <p:cTn id="33" fill="hold">
-                      <p:stCondLst>
-                        <p:cond delay="indefinite"/>
-                      </p:stCondLst>
-                      <p:childTnLst>
-                        <p:par>
-                          <p:cTn id="34" fill="hold">
-                            <p:stCondLst>
-                              <p:cond delay="0"/>
-                            </p:stCondLst>
-                            <p:childTnLst>
                               <p:par>
-                                <p:cTn id="35" presetID="2" presetClass="entr" presetSubtype="4" fill="hold" nodeType="clickEffect">
+                                <p:cTn id="43" presetID="63" presetClass="path" presetSubtype="0" accel="50000" decel="50000" fill="hold" grpId="2" nodeType="withEffect">
                                   <p:stCondLst>
                                     <p:cond delay="0"/>
                                   </p:stCondLst>
                                   <p:childTnLst>
-                                    <p:set>
+                                    <p:animMotion origin="layout" path="M 0.04965 2.59259E-6 L 0.10069 2.59259E-6 " pathEditMode="relative" rAng="0" ptsTypes="AA">
                                       <p:cBhvr>
-                                        <p:cTn id="36" dur="1" fill="hold">
-                                          <p:stCondLst>
-                                            <p:cond delay="0"/>
-                                          </p:stCondLst>
-                                        </p:cTn>
+                                        <p:cTn id="44" dur="2000" fill="hold"/>
                                         <p:tgtEl>
-                                          <p:spTgt spid="7">
-                                            <p:txEl>
-                                              <p:pRg st="4" end="4"/>
-                                            </p:txEl>
-                                          </p:spTgt>
-                                        </p:tgtEl>
-                                        <p:attrNameLst>
-                                          <p:attrName>style.visibility</p:attrName>
-                                        </p:attrNameLst>
-                                      </p:cBhvr>
-                                      <p:to>
-                                        <p:strVal val="visible"/>
-                                      </p:to>
-                                    </p:set>
-                                    <p:anim calcmode="lin" valueType="num">
-                                      <p:cBhvr additive="base">
-                                        <p:cTn id="37" dur="500" fill="hold"/>
-                                        <p:tgtEl>
-                                          <p:spTgt spid="7">
-                                            <p:txEl>
-                                              <p:pRg st="4" end="4"/>
-                                            </p:txEl>
-                                          </p:spTgt>
+                                          <p:spTgt spid="28"/>
                                         </p:tgtEl>
                                         <p:attrNameLst>
                                           <p:attrName>ppt_x</p:attrName>
-                                        </p:attrNameLst>
-                                      </p:cBhvr>
-                                      <p:tavLst>
-                                        <p:tav tm="0">
-                                          <p:val>
-                                            <p:strVal val="#ppt_x"/>
-                                          </p:val>
-                                        </p:tav>
-                                        <p:tav tm="100000">
-                                          <p:val>
-                                            <p:strVal val="#ppt_x"/>
-                                          </p:val>
-                                        </p:tav>
-                                      </p:tavLst>
-                                    </p:anim>
-                                    <p:anim calcmode="lin" valueType="num">
-                                      <p:cBhvr additive="base">
-                                        <p:cTn id="38" dur="500" fill="hold"/>
-                                        <p:tgtEl>
-                                          <p:spTgt spid="7">
-                                            <p:txEl>
-                                              <p:pRg st="4" end="4"/>
-                                            </p:txEl>
-                                          </p:spTgt>
-                                        </p:tgtEl>
-                                        <p:attrNameLst>
                                           <p:attrName>ppt_y</p:attrName>
                                         </p:attrNameLst>
                                       </p:cBhvr>
-                                      <p:tavLst>
-                                        <p:tav tm="0">
-                                          <p:val>
-                                            <p:strVal val="1+#ppt_h/2"/>
-                                          </p:val>
-                                        </p:tav>
-                                        <p:tav tm="100000">
-                                          <p:val>
-                                            <p:strVal val="#ppt_y"/>
-                                          </p:val>
-                                        </p:tav>
-                                      </p:tavLst>
-                                    </p:anim>
-                                  </p:childTnLst>
-                                </p:cTn>
-                              </p:par>
-                            </p:childTnLst>
-                          </p:cTn>
-                        </p:par>
-                      </p:childTnLst>
-                    </p:cTn>
-                  </p:par>
-                  <p:par>
-                    <p:cTn id="39" fill="hold">
-                      <p:stCondLst>
-                        <p:cond delay="indefinite"/>
-                      </p:stCondLst>
-                      <p:childTnLst>
-                        <p:par>
-                          <p:cTn id="40" fill="hold">
-                            <p:stCondLst>
-                              <p:cond delay="0"/>
-                            </p:stCondLst>
-                            <p:childTnLst>
-                              <p:par>
-                                <p:cTn id="41" presetID="2" presetClass="entr" presetSubtype="4" fill="hold" nodeType="clickEffect">
-                                  <p:stCondLst>
-                                    <p:cond delay="0"/>
-                                  </p:stCondLst>
-                                  <p:childTnLst>
-                                    <p:set>
-                                      <p:cBhvr>
-                                        <p:cTn id="42" dur="1" fill="hold">
-                                          <p:stCondLst>
-                                            <p:cond delay="0"/>
-                                          </p:stCondLst>
-                                        </p:cTn>
-                                        <p:tgtEl>
-                                          <p:spTgt spid="7">
-                                            <p:txEl>
-                                              <p:pRg st="5" end="5"/>
-                                            </p:txEl>
-                                          </p:spTgt>
-                                        </p:tgtEl>
-                                        <p:attrNameLst>
-                                          <p:attrName>style.visibility</p:attrName>
-                                        </p:attrNameLst>
-                                      </p:cBhvr>
-                                      <p:to>
-                                        <p:strVal val="visible"/>
-                                      </p:to>
-                                    </p:set>
-                                    <p:anim calcmode="lin" valueType="num">
-                                      <p:cBhvr additive="base">
-                                        <p:cTn id="43" dur="500" fill="hold"/>
-                                        <p:tgtEl>
-                                          <p:spTgt spid="7">
-                                            <p:txEl>
-                                              <p:pRg st="5" end="5"/>
-                                            </p:txEl>
-                                          </p:spTgt>
-                                        </p:tgtEl>
-                                        <p:attrNameLst>
-                                          <p:attrName>ppt_x</p:attrName>
-                                        </p:attrNameLst>
-                                      </p:cBhvr>
-                                      <p:tavLst>
-                                        <p:tav tm="0">
-                                          <p:val>
-                                            <p:strVal val="#ppt_x"/>
-                                          </p:val>
-                                        </p:tav>
-                                        <p:tav tm="100000">
-                                          <p:val>
-                                            <p:strVal val="#ppt_x"/>
-                                          </p:val>
-                                        </p:tav>
-                                      </p:tavLst>
-                                    </p:anim>
-                                    <p:anim calcmode="lin" valueType="num">
-                                      <p:cBhvr additive="base">
-                                        <p:cTn id="44" dur="500" fill="hold"/>
-                                        <p:tgtEl>
-                                          <p:spTgt spid="7">
-                                            <p:txEl>
-                                              <p:pRg st="5" end="5"/>
-                                            </p:txEl>
-                                          </p:spTgt>
-                                        </p:tgtEl>
-                                        <p:attrNameLst>
-                                          <p:attrName>ppt_y</p:attrName>
-                                        </p:attrNameLst>
-                                      </p:cBhvr>
-                                      <p:tavLst>
-                                        <p:tav tm="0">
-                                          <p:val>
-                                            <p:strVal val="1+#ppt_h/2"/>
-                                          </p:val>
-                                        </p:tav>
-                                        <p:tav tm="100000">
-                                          <p:val>
-                                            <p:strVal val="#ppt_y"/>
-                                          </p:val>
-                                        </p:tav>
-                                      </p:tavLst>
-                                    </p:anim>
+                                      <p:rCtr x="26" y="0"/>
+                                    </p:animMotion>
                                   </p:childTnLst>
                                 </p:cTn>
                               </p:par>
@@ -27233,6 +27349,256 @@
                                         <p:tgtEl>
                                           <p:spTgt spid="7">
                                             <p:txEl>
+                                              <p:pRg st="4" end="4"/>
+                                            </p:txEl>
+                                          </p:spTgt>
+                                        </p:tgtEl>
+                                        <p:attrNameLst>
+                                          <p:attrName>style.visibility</p:attrName>
+                                        </p:attrNameLst>
+                                      </p:cBhvr>
+                                      <p:to>
+                                        <p:strVal val="visible"/>
+                                      </p:to>
+                                    </p:set>
+                                    <p:anim calcmode="lin" valueType="num">
+                                      <p:cBhvr additive="base">
+                                        <p:cTn id="49" dur="500" fill="hold"/>
+                                        <p:tgtEl>
+                                          <p:spTgt spid="7">
+                                            <p:txEl>
+                                              <p:pRg st="4" end="4"/>
+                                            </p:txEl>
+                                          </p:spTgt>
+                                        </p:tgtEl>
+                                        <p:attrNameLst>
+                                          <p:attrName>ppt_x</p:attrName>
+                                        </p:attrNameLst>
+                                      </p:cBhvr>
+                                      <p:tavLst>
+                                        <p:tav tm="0">
+                                          <p:val>
+                                            <p:strVal val="#ppt_x"/>
+                                          </p:val>
+                                        </p:tav>
+                                        <p:tav tm="100000">
+                                          <p:val>
+                                            <p:strVal val="#ppt_x"/>
+                                          </p:val>
+                                        </p:tav>
+                                      </p:tavLst>
+                                    </p:anim>
+                                    <p:anim calcmode="lin" valueType="num">
+                                      <p:cBhvr additive="base">
+                                        <p:cTn id="50" dur="500" fill="hold"/>
+                                        <p:tgtEl>
+                                          <p:spTgt spid="7">
+                                            <p:txEl>
+                                              <p:pRg st="4" end="4"/>
+                                            </p:txEl>
+                                          </p:spTgt>
+                                        </p:tgtEl>
+                                        <p:attrNameLst>
+                                          <p:attrName>ppt_y</p:attrName>
+                                        </p:attrNameLst>
+                                      </p:cBhvr>
+                                      <p:tavLst>
+                                        <p:tav tm="0">
+                                          <p:val>
+                                            <p:strVal val="1+#ppt_h/2"/>
+                                          </p:val>
+                                        </p:tav>
+                                        <p:tav tm="100000">
+                                          <p:val>
+                                            <p:strVal val="#ppt_y"/>
+                                          </p:val>
+                                        </p:tav>
+                                      </p:tavLst>
+                                    </p:anim>
+                                  </p:childTnLst>
+                                </p:cTn>
+                              </p:par>
+                              <p:par>
+                                <p:cTn id="51" presetID="63" presetClass="path" presetSubtype="0" accel="50000" decel="50000" fill="hold" grpId="3" nodeType="withEffect">
+                                  <p:stCondLst>
+                                    <p:cond delay="0"/>
+                                  </p:stCondLst>
+                                  <p:childTnLst>
+                                    <p:animMotion origin="layout" path="M 0.10069 2.59259E-6 L 0.14861 2.59259E-6 " pathEditMode="relative" rAng="0" ptsTypes="AA">
+                                      <p:cBhvr>
+                                        <p:cTn id="52" dur="2000" fill="hold"/>
+                                        <p:tgtEl>
+                                          <p:spTgt spid="28"/>
+                                        </p:tgtEl>
+                                        <p:attrNameLst>
+                                          <p:attrName>ppt_x</p:attrName>
+                                          <p:attrName>ppt_y</p:attrName>
+                                        </p:attrNameLst>
+                                      </p:cBhvr>
+                                      <p:rCtr x="24" y="0"/>
+                                    </p:animMotion>
+                                  </p:childTnLst>
+                                </p:cTn>
+                              </p:par>
+                            </p:childTnLst>
+                          </p:cTn>
+                        </p:par>
+                      </p:childTnLst>
+                    </p:cTn>
+                  </p:par>
+                  <p:par>
+                    <p:cTn id="53" fill="hold">
+                      <p:stCondLst>
+                        <p:cond delay="indefinite"/>
+                      </p:stCondLst>
+                      <p:childTnLst>
+                        <p:par>
+                          <p:cTn id="54" fill="hold">
+                            <p:stCondLst>
+                              <p:cond delay="0"/>
+                            </p:stCondLst>
+                            <p:childTnLst>
+                              <p:par>
+                                <p:cTn id="55" presetID="2" presetClass="entr" presetSubtype="4" fill="hold" nodeType="clickEffect">
+                                  <p:stCondLst>
+                                    <p:cond delay="0"/>
+                                  </p:stCondLst>
+                                  <p:childTnLst>
+                                    <p:set>
+                                      <p:cBhvr>
+                                        <p:cTn id="56" dur="1" fill="hold">
+                                          <p:stCondLst>
+                                            <p:cond delay="0"/>
+                                          </p:stCondLst>
+                                        </p:cTn>
+                                        <p:tgtEl>
+                                          <p:spTgt spid="7">
+                                            <p:txEl>
+                                              <p:pRg st="5" end="5"/>
+                                            </p:txEl>
+                                          </p:spTgt>
+                                        </p:tgtEl>
+                                        <p:attrNameLst>
+                                          <p:attrName>style.visibility</p:attrName>
+                                        </p:attrNameLst>
+                                      </p:cBhvr>
+                                      <p:to>
+                                        <p:strVal val="visible"/>
+                                      </p:to>
+                                    </p:set>
+                                    <p:anim calcmode="lin" valueType="num">
+                                      <p:cBhvr additive="base">
+                                        <p:cTn id="57" dur="500" fill="hold"/>
+                                        <p:tgtEl>
+                                          <p:spTgt spid="7">
+                                            <p:txEl>
+                                              <p:pRg st="5" end="5"/>
+                                            </p:txEl>
+                                          </p:spTgt>
+                                        </p:tgtEl>
+                                        <p:attrNameLst>
+                                          <p:attrName>ppt_x</p:attrName>
+                                        </p:attrNameLst>
+                                      </p:cBhvr>
+                                      <p:tavLst>
+                                        <p:tav tm="0">
+                                          <p:val>
+                                            <p:strVal val="#ppt_x"/>
+                                          </p:val>
+                                        </p:tav>
+                                        <p:tav tm="100000">
+                                          <p:val>
+                                            <p:strVal val="#ppt_x"/>
+                                          </p:val>
+                                        </p:tav>
+                                      </p:tavLst>
+                                    </p:anim>
+                                    <p:anim calcmode="lin" valueType="num">
+                                      <p:cBhvr additive="base">
+                                        <p:cTn id="58" dur="500" fill="hold"/>
+                                        <p:tgtEl>
+                                          <p:spTgt spid="7">
+                                            <p:txEl>
+                                              <p:pRg st="5" end="5"/>
+                                            </p:txEl>
+                                          </p:spTgt>
+                                        </p:tgtEl>
+                                        <p:attrNameLst>
+                                          <p:attrName>ppt_y</p:attrName>
+                                        </p:attrNameLst>
+                                      </p:cBhvr>
+                                      <p:tavLst>
+                                        <p:tav tm="0">
+                                          <p:val>
+                                            <p:strVal val="1+#ppt_h/2"/>
+                                          </p:val>
+                                        </p:tav>
+                                        <p:tav tm="100000">
+                                          <p:val>
+                                            <p:strVal val="#ppt_y"/>
+                                          </p:val>
+                                        </p:tav>
+                                      </p:tavLst>
+                                    </p:anim>
+                                  </p:childTnLst>
+                                </p:cTn>
+                              </p:par>
+                              <p:par>
+                                <p:cTn id="59" presetID="63" presetClass="path" presetSubtype="0" accel="50000" decel="50000" fill="hold" grpId="4" nodeType="withEffect">
+                                  <p:stCondLst>
+                                    <p:cond delay="0"/>
+                                  </p:stCondLst>
+                                  <p:childTnLst>
+                                    <p:animMotion origin="layout" path="M 0.14861 2.59259E-6 L 0.19809 2.59259E-6 " pathEditMode="relative" rAng="0" ptsTypes="AA">
+                                      <p:cBhvr>
+                                        <p:cTn id="60" dur="2000" fill="hold"/>
+                                        <p:tgtEl>
+                                          <p:spTgt spid="28"/>
+                                        </p:tgtEl>
+                                        <p:attrNameLst>
+                                          <p:attrName>ppt_x</p:attrName>
+                                          <p:attrName>ppt_y</p:attrName>
+                                        </p:attrNameLst>
+                                      </p:cBhvr>
+                                      <p:rCtr x="25" y="0"/>
+                                    </p:animMotion>
+                                  </p:childTnLst>
+                                </p:cTn>
+                              </p:par>
+                            </p:childTnLst>
+                          </p:cTn>
+                        </p:par>
+                      </p:childTnLst>
+                    </p:cTn>
+                  </p:par>
+                  <p:par>
+                    <p:cTn id="61" fill="hold">
+                      <p:stCondLst>
+                        <p:cond delay="indefinite"/>
+                      </p:stCondLst>
+                      <p:childTnLst>
+                        <p:par>
+                          <p:cTn id="62" fill="hold">
+                            <p:stCondLst>
+                              <p:cond delay="0"/>
+                            </p:stCondLst>
+                            <p:childTnLst>
+                              <p:par>
+                                <p:cTn id="63" presetID="2" presetClass="entr" presetSubtype="4" fill="hold" nodeType="clickEffect">
+                                  <p:stCondLst>
+                                    <p:cond delay="0"/>
+                                  </p:stCondLst>
+                                  <p:childTnLst>
+                                    <p:set>
+                                      <p:cBhvr>
+                                        <p:cTn id="64" dur="1" fill="hold">
+                                          <p:stCondLst>
+                                            <p:cond delay="0"/>
+                                          </p:stCondLst>
+                                        </p:cTn>
+                                        <p:tgtEl>
+                                          <p:spTgt spid="7">
+                                            <p:txEl>
                                               <p:pRg st="6" end="6"/>
                                             </p:txEl>
                                           </p:spTgt>
@@ -27247,7 +27613,7 @@
                                     </p:set>
                                     <p:anim calcmode="lin" valueType="num">
                                       <p:cBhvr additive="base">
-                                        <p:cTn id="49" dur="500" fill="hold"/>
+                                        <p:cTn id="65" dur="500" fill="hold"/>
                                         <p:tgtEl>
                                           <p:spTgt spid="7">
                                             <p:txEl>
@@ -27274,7 +27640,7 @@
                                     </p:anim>
                                     <p:anim calcmode="lin" valueType="num">
                                       <p:cBhvr additive="base">
-                                        <p:cTn id="50" dur="500" fill="hold"/>
+                                        <p:cTn id="66" dur="500" fill="hold"/>
                                         <p:tgtEl>
                                           <p:spTgt spid="7">
                                             <p:txEl>
@@ -27309,26 +27675,26 @@
                     </p:cTn>
                   </p:par>
                   <p:par>
-                    <p:cTn id="51" fill="hold">
+                    <p:cTn id="67" fill="hold">
                       <p:stCondLst>
                         <p:cond delay="indefinite"/>
                       </p:stCondLst>
                       <p:childTnLst>
                         <p:par>
-                          <p:cTn id="52" fill="hold">
+                          <p:cTn id="68" fill="hold">
                             <p:stCondLst>
                               <p:cond delay="0"/>
                             </p:stCondLst>
                             <p:childTnLst>
                               <p:par>
-                                <p:cTn id="53" presetID="2" presetClass="entr" presetSubtype="4" fill="hold" nodeType="clickEffect">
+                                <p:cTn id="69" presetID="2" presetClass="entr" presetSubtype="4" fill="hold" nodeType="clickEffect">
                                   <p:stCondLst>
                                     <p:cond delay="0"/>
                                   </p:stCondLst>
                                   <p:childTnLst>
                                     <p:set>
                                       <p:cBhvr>
-                                        <p:cTn id="54" dur="1" fill="hold">
+                                        <p:cTn id="70" dur="1" fill="hold">
                                           <p:stCondLst>
                                             <p:cond delay="0"/>
                                           </p:stCondLst>
@@ -27350,7 +27716,7 @@
                                     </p:set>
                                     <p:anim calcmode="lin" valueType="num">
                                       <p:cBhvr additive="base">
-                                        <p:cTn id="55" dur="500" fill="hold"/>
+                                        <p:cTn id="71" dur="500" fill="hold"/>
                                         <p:tgtEl>
                                           <p:spTgt spid="7">
                                             <p:txEl>
@@ -27377,7 +27743,7 @@
                                     </p:anim>
                                     <p:anim calcmode="lin" valueType="num">
                                       <p:cBhvr additive="base">
-                                        <p:cTn id="56" dur="500" fill="hold"/>
+                                        <p:cTn id="72" dur="500" fill="hold"/>
                                         <p:tgtEl>
                                           <p:spTgt spid="7">
                                             <p:txEl>
@@ -27412,26 +27778,26 @@
                     </p:cTn>
                   </p:par>
                   <p:par>
-                    <p:cTn id="57" fill="hold">
+                    <p:cTn id="73" fill="hold">
                       <p:stCondLst>
                         <p:cond delay="indefinite"/>
                       </p:stCondLst>
                       <p:childTnLst>
                         <p:par>
-                          <p:cTn id="58" fill="hold">
+                          <p:cTn id="74" fill="hold">
                             <p:stCondLst>
                               <p:cond delay="0"/>
                             </p:stCondLst>
                             <p:childTnLst>
                               <p:par>
-                                <p:cTn id="59" presetID="2" presetClass="entr" presetSubtype="4" fill="hold" nodeType="clickEffect">
+                                <p:cTn id="75" presetID="2" presetClass="entr" presetSubtype="4" fill="hold" nodeType="clickEffect">
                                   <p:stCondLst>
                                     <p:cond delay="0"/>
                                   </p:stCondLst>
                                   <p:childTnLst>
                                     <p:set>
                                       <p:cBhvr>
-                                        <p:cTn id="60" dur="1" fill="hold">
+                                        <p:cTn id="76" dur="1" fill="hold">
                                           <p:stCondLst>
                                             <p:cond delay="0"/>
                                           </p:stCondLst>
@@ -27453,7 +27819,7 @@
                                     </p:set>
                                     <p:anim calcmode="lin" valueType="num">
                                       <p:cBhvr additive="base">
-                                        <p:cTn id="61" dur="500" fill="hold"/>
+                                        <p:cTn id="77" dur="500" fill="hold"/>
                                         <p:tgtEl>
                                           <p:spTgt spid="7">
                                             <p:txEl>
@@ -27480,7 +27846,7 @@
                                     </p:anim>
                                     <p:anim calcmode="lin" valueType="num">
                                       <p:cBhvr additive="base">
-                                        <p:cTn id="62" dur="500" fill="hold"/>
+                                        <p:cTn id="78" dur="500" fill="hold"/>
                                         <p:tgtEl>
                                           <p:spTgt spid="7">
                                             <p:txEl>
@@ -27535,6 +27901,13 @@
         </p:cTn>
       </p:par>
     </p:tnLst>
+    <p:bldLst>
+      <p:bldP spid="28" grpId="0" animBg="1"/>
+      <p:bldP spid="28" grpId="1" animBg="1"/>
+      <p:bldP spid="28" grpId="2" animBg="1"/>
+      <p:bldP spid="28" grpId="3" animBg="1"/>
+      <p:bldP spid="28" grpId="4" animBg="1"/>
+    </p:bldLst>
   </p:timing>
 </p:sld>
 </file>
